--- a/株式会社サイバースペーステクノロジー.pptx
+++ b/株式会社サイバースペーステクノロジー.pptx
@@ -9,6 +9,11 @@
     <p:sldId id="257" r:id="rId3"/>
     <p:sldId id="258" r:id="rId4"/>
     <p:sldId id="259" r:id="rId5"/>
+    <p:sldId id="260" r:id="rId6"/>
+    <p:sldId id="261" r:id="rId7"/>
+    <p:sldId id="262" r:id="rId8"/>
+    <p:sldId id="263" r:id="rId9"/>
+    <p:sldId id="264" r:id="rId10"/>
   </p:sldIdLst>
   <p:sldSz cx="12192000" cy="6858000"/>
   <p:notesSz cx="6858000" cy="9144000"/>
@@ -157,10 +162,9 @@
           </a:lstStyle>
           <a:p>
             <a:r>
-              <a:rPr kumimoji="1" lang="ja-JP" altLang="en-US" smtClean="0"/>
+              <a:rPr kumimoji="1" lang="ja-JP" altLang="en-US"/>
               <a:t>マスター タイトルの書式設定</a:t>
             </a:r>
-            <a:endParaRPr kumimoji="1" lang="ja-JP" altLang="en-US"/>
           </a:p>
         </p:txBody>
       </p:sp>
@@ -222,10 +226,9 @@
           </a:lstStyle>
           <a:p>
             <a:r>
-              <a:rPr kumimoji="1" lang="ja-JP" altLang="en-US" smtClean="0"/>
+              <a:rPr kumimoji="1" lang="ja-JP" altLang="en-US"/>
               <a:t>マスター サブタイトルの書式設定</a:t>
             </a:r>
-            <a:endParaRPr kumimoji="1" lang="ja-JP" altLang="en-US"/>
           </a:p>
         </p:txBody>
       </p:sp>
@@ -246,7 +249,7 @@
           <a:p>
             <a:fld id="{1796508F-AE6E-4985-ABCB-6C838F94B0DF}" type="datetimeFigureOut">
               <a:rPr kumimoji="1" lang="ja-JP" altLang="en-US" smtClean="0"/>
-              <a:t>2024/8/2</a:t>
+              <a:t>2024/8/19</a:t>
             </a:fld>
             <a:endParaRPr kumimoji="1" lang="ja-JP" altLang="en-US"/>
           </a:p>
@@ -340,10 +343,9 @@
           <a:lstStyle/>
           <a:p>
             <a:r>
-              <a:rPr kumimoji="1" lang="ja-JP" altLang="en-US" smtClean="0"/>
+              <a:rPr kumimoji="1" lang="ja-JP" altLang="en-US"/>
               <a:t>マスター タイトルの書式設定</a:t>
             </a:r>
-            <a:endParaRPr kumimoji="1" lang="ja-JP" altLang="en-US"/>
           </a:p>
         </p:txBody>
       </p:sp>
@@ -364,70 +366,69 @@
           <a:p>
             <a:pPr lvl="0"/>
             <a:r>
-              <a:rPr kumimoji="1" lang="ja-JP" altLang="en-US" smtClean="0"/>
+              <a:rPr kumimoji="1" lang="ja-JP" altLang="en-US"/>
               <a:t>マスター テキストの書式設定</a:t>
             </a:r>
           </a:p>
           <a:p>
             <a:pPr lvl="1"/>
             <a:r>
-              <a:rPr kumimoji="1" lang="ja-JP" altLang="en-US" smtClean="0"/>
+              <a:rPr kumimoji="1" lang="ja-JP" altLang="en-US"/>
               <a:t>第 </a:t>
             </a:r>
             <a:r>
-              <a:rPr kumimoji="1" lang="en-US" altLang="ja-JP" smtClean="0"/>
+              <a:rPr kumimoji="1" lang="en-US" altLang="ja-JP"/>
               <a:t>2 </a:t>
             </a:r>
             <a:r>
-              <a:rPr kumimoji="1" lang="ja-JP" altLang="en-US" smtClean="0"/>
+              <a:rPr kumimoji="1" lang="ja-JP" altLang="en-US"/>
               <a:t>レベル</a:t>
             </a:r>
           </a:p>
           <a:p>
             <a:pPr lvl="2"/>
             <a:r>
-              <a:rPr kumimoji="1" lang="ja-JP" altLang="en-US" smtClean="0"/>
+              <a:rPr kumimoji="1" lang="ja-JP" altLang="en-US"/>
               <a:t>第 </a:t>
             </a:r>
             <a:r>
-              <a:rPr kumimoji="1" lang="en-US" altLang="ja-JP" smtClean="0"/>
+              <a:rPr kumimoji="1" lang="en-US" altLang="ja-JP"/>
               <a:t>3 </a:t>
             </a:r>
             <a:r>
-              <a:rPr kumimoji="1" lang="ja-JP" altLang="en-US" smtClean="0"/>
+              <a:rPr kumimoji="1" lang="ja-JP" altLang="en-US"/>
               <a:t>レベル</a:t>
             </a:r>
           </a:p>
           <a:p>
             <a:pPr lvl="3"/>
             <a:r>
-              <a:rPr kumimoji="1" lang="ja-JP" altLang="en-US" smtClean="0"/>
+              <a:rPr kumimoji="1" lang="ja-JP" altLang="en-US"/>
               <a:t>第 </a:t>
             </a:r>
             <a:r>
-              <a:rPr kumimoji="1" lang="en-US" altLang="ja-JP" smtClean="0"/>
+              <a:rPr kumimoji="1" lang="en-US" altLang="ja-JP"/>
               <a:t>4 </a:t>
             </a:r>
             <a:r>
-              <a:rPr kumimoji="1" lang="ja-JP" altLang="en-US" smtClean="0"/>
+              <a:rPr kumimoji="1" lang="ja-JP" altLang="en-US"/>
               <a:t>レベル</a:t>
             </a:r>
           </a:p>
           <a:p>
             <a:pPr lvl="4"/>
             <a:r>
-              <a:rPr kumimoji="1" lang="ja-JP" altLang="en-US" smtClean="0"/>
+              <a:rPr kumimoji="1" lang="ja-JP" altLang="en-US"/>
               <a:t>第 </a:t>
             </a:r>
             <a:r>
-              <a:rPr kumimoji="1" lang="en-US" altLang="ja-JP" smtClean="0"/>
+              <a:rPr kumimoji="1" lang="en-US" altLang="ja-JP"/>
               <a:t>5 </a:t>
             </a:r>
             <a:r>
-              <a:rPr kumimoji="1" lang="ja-JP" altLang="en-US" smtClean="0"/>
+              <a:rPr kumimoji="1" lang="ja-JP" altLang="en-US"/>
               <a:t>レベル</a:t>
             </a:r>
-            <a:endParaRPr kumimoji="1" lang="ja-JP" altLang="en-US"/>
           </a:p>
         </p:txBody>
       </p:sp>
@@ -448,7 +449,7 @@
           <a:p>
             <a:fld id="{1796508F-AE6E-4985-ABCB-6C838F94B0DF}" type="datetimeFigureOut">
               <a:rPr kumimoji="1" lang="ja-JP" altLang="en-US" smtClean="0"/>
-              <a:t>2024/8/2</a:t>
+              <a:t>2024/8/19</a:t>
             </a:fld>
             <a:endParaRPr kumimoji="1" lang="ja-JP" altLang="en-US"/>
           </a:p>
@@ -547,10 +548,9 @@
           <a:lstStyle/>
           <a:p>
             <a:r>
-              <a:rPr kumimoji="1" lang="ja-JP" altLang="en-US" smtClean="0"/>
+              <a:rPr kumimoji="1" lang="ja-JP" altLang="en-US"/>
               <a:t>マスター タイトルの書式設定</a:t>
             </a:r>
-            <a:endParaRPr kumimoji="1" lang="ja-JP" altLang="en-US"/>
           </a:p>
         </p:txBody>
       </p:sp>
@@ -576,70 +576,69 @@
           <a:p>
             <a:pPr lvl="0"/>
             <a:r>
-              <a:rPr kumimoji="1" lang="ja-JP" altLang="en-US" smtClean="0"/>
+              <a:rPr kumimoji="1" lang="ja-JP" altLang="en-US"/>
               <a:t>マスター テキストの書式設定</a:t>
             </a:r>
           </a:p>
           <a:p>
             <a:pPr lvl="1"/>
             <a:r>
-              <a:rPr kumimoji="1" lang="ja-JP" altLang="en-US" smtClean="0"/>
+              <a:rPr kumimoji="1" lang="ja-JP" altLang="en-US"/>
               <a:t>第 </a:t>
             </a:r>
             <a:r>
-              <a:rPr kumimoji="1" lang="en-US" altLang="ja-JP" smtClean="0"/>
+              <a:rPr kumimoji="1" lang="en-US" altLang="ja-JP"/>
               <a:t>2 </a:t>
             </a:r>
             <a:r>
-              <a:rPr kumimoji="1" lang="ja-JP" altLang="en-US" smtClean="0"/>
+              <a:rPr kumimoji="1" lang="ja-JP" altLang="en-US"/>
               <a:t>レベル</a:t>
             </a:r>
           </a:p>
           <a:p>
             <a:pPr lvl="2"/>
             <a:r>
-              <a:rPr kumimoji="1" lang="ja-JP" altLang="en-US" smtClean="0"/>
+              <a:rPr kumimoji="1" lang="ja-JP" altLang="en-US"/>
               <a:t>第 </a:t>
             </a:r>
             <a:r>
-              <a:rPr kumimoji="1" lang="en-US" altLang="ja-JP" smtClean="0"/>
+              <a:rPr kumimoji="1" lang="en-US" altLang="ja-JP"/>
               <a:t>3 </a:t>
             </a:r>
             <a:r>
-              <a:rPr kumimoji="1" lang="ja-JP" altLang="en-US" smtClean="0"/>
+              <a:rPr kumimoji="1" lang="ja-JP" altLang="en-US"/>
               <a:t>レベル</a:t>
             </a:r>
           </a:p>
           <a:p>
             <a:pPr lvl="3"/>
             <a:r>
-              <a:rPr kumimoji="1" lang="ja-JP" altLang="en-US" smtClean="0"/>
+              <a:rPr kumimoji="1" lang="ja-JP" altLang="en-US"/>
               <a:t>第 </a:t>
             </a:r>
             <a:r>
-              <a:rPr kumimoji="1" lang="en-US" altLang="ja-JP" smtClean="0"/>
+              <a:rPr kumimoji="1" lang="en-US" altLang="ja-JP"/>
               <a:t>4 </a:t>
             </a:r>
             <a:r>
-              <a:rPr kumimoji="1" lang="ja-JP" altLang="en-US" smtClean="0"/>
+              <a:rPr kumimoji="1" lang="ja-JP" altLang="en-US"/>
               <a:t>レベル</a:t>
             </a:r>
           </a:p>
           <a:p>
             <a:pPr lvl="4"/>
             <a:r>
-              <a:rPr kumimoji="1" lang="ja-JP" altLang="en-US" smtClean="0"/>
+              <a:rPr kumimoji="1" lang="ja-JP" altLang="en-US"/>
               <a:t>第 </a:t>
             </a:r>
             <a:r>
-              <a:rPr kumimoji="1" lang="en-US" altLang="ja-JP" smtClean="0"/>
+              <a:rPr kumimoji="1" lang="en-US" altLang="ja-JP"/>
               <a:t>5 </a:t>
             </a:r>
             <a:r>
-              <a:rPr kumimoji="1" lang="ja-JP" altLang="en-US" smtClean="0"/>
+              <a:rPr kumimoji="1" lang="ja-JP" altLang="en-US"/>
               <a:t>レベル</a:t>
             </a:r>
-            <a:endParaRPr kumimoji="1" lang="ja-JP" altLang="en-US"/>
           </a:p>
         </p:txBody>
       </p:sp>
@@ -660,7 +659,7 @@
           <a:p>
             <a:fld id="{1796508F-AE6E-4985-ABCB-6C838F94B0DF}" type="datetimeFigureOut">
               <a:rPr kumimoji="1" lang="ja-JP" altLang="en-US" smtClean="0"/>
-              <a:t>2024/8/2</a:t>
+              <a:t>2024/8/19</a:t>
             </a:fld>
             <a:endParaRPr kumimoji="1" lang="ja-JP" altLang="en-US"/>
           </a:p>
@@ -754,10 +753,9 @@
           <a:lstStyle/>
           <a:p>
             <a:r>
-              <a:rPr kumimoji="1" lang="ja-JP" altLang="en-US" smtClean="0"/>
+              <a:rPr kumimoji="1" lang="ja-JP" altLang="en-US"/>
               <a:t>マスター タイトルの書式設定</a:t>
             </a:r>
-            <a:endParaRPr kumimoji="1" lang="ja-JP" altLang="en-US"/>
           </a:p>
         </p:txBody>
       </p:sp>
@@ -778,70 +776,69 @@
           <a:p>
             <a:pPr lvl="0"/>
             <a:r>
-              <a:rPr kumimoji="1" lang="ja-JP" altLang="en-US" smtClean="0"/>
+              <a:rPr kumimoji="1" lang="ja-JP" altLang="en-US"/>
               <a:t>マスター テキストの書式設定</a:t>
             </a:r>
           </a:p>
           <a:p>
             <a:pPr lvl="1"/>
             <a:r>
-              <a:rPr kumimoji="1" lang="ja-JP" altLang="en-US" smtClean="0"/>
+              <a:rPr kumimoji="1" lang="ja-JP" altLang="en-US"/>
               <a:t>第 </a:t>
             </a:r>
             <a:r>
-              <a:rPr kumimoji="1" lang="en-US" altLang="ja-JP" smtClean="0"/>
+              <a:rPr kumimoji="1" lang="en-US" altLang="ja-JP"/>
               <a:t>2 </a:t>
             </a:r>
             <a:r>
-              <a:rPr kumimoji="1" lang="ja-JP" altLang="en-US" smtClean="0"/>
+              <a:rPr kumimoji="1" lang="ja-JP" altLang="en-US"/>
               <a:t>レベル</a:t>
             </a:r>
           </a:p>
           <a:p>
             <a:pPr lvl="2"/>
             <a:r>
-              <a:rPr kumimoji="1" lang="ja-JP" altLang="en-US" smtClean="0"/>
+              <a:rPr kumimoji="1" lang="ja-JP" altLang="en-US"/>
               <a:t>第 </a:t>
             </a:r>
             <a:r>
-              <a:rPr kumimoji="1" lang="en-US" altLang="ja-JP" smtClean="0"/>
+              <a:rPr kumimoji="1" lang="en-US" altLang="ja-JP"/>
               <a:t>3 </a:t>
             </a:r>
             <a:r>
-              <a:rPr kumimoji="1" lang="ja-JP" altLang="en-US" smtClean="0"/>
+              <a:rPr kumimoji="1" lang="ja-JP" altLang="en-US"/>
               <a:t>レベル</a:t>
             </a:r>
           </a:p>
           <a:p>
             <a:pPr lvl="3"/>
             <a:r>
-              <a:rPr kumimoji="1" lang="ja-JP" altLang="en-US" smtClean="0"/>
+              <a:rPr kumimoji="1" lang="ja-JP" altLang="en-US"/>
               <a:t>第 </a:t>
             </a:r>
             <a:r>
-              <a:rPr kumimoji="1" lang="en-US" altLang="ja-JP" smtClean="0"/>
+              <a:rPr kumimoji="1" lang="en-US" altLang="ja-JP"/>
               <a:t>4 </a:t>
             </a:r>
             <a:r>
-              <a:rPr kumimoji="1" lang="ja-JP" altLang="en-US" smtClean="0"/>
+              <a:rPr kumimoji="1" lang="ja-JP" altLang="en-US"/>
               <a:t>レベル</a:t>
             </a:r>
           </a:p>
           <a:p>
             <a:pPr lvl="4"/>
             <a:r>
-              <a:rPr kumimoji="1" lang="ja-JP" altLang="en-US" smtClean="0"/>
+              <a:rPr kumimoji="1" lang="ja-JP" altLang="en-US"/>
               <a:t>第 </a:t>
             </a:r>
             <a:r>
-              <a:rPr kumimoji="1" lang="en-US" altLang="ja-JP" smtClean="0"/>
+              <a:rPr kumimoji="1" lang="en-US" altLang="ja-JP"/>
               <a:t>5 </a:t>
             </a:r>
             <a:r>
-              <a:rPr kumimoji="1" lang="ja-JP" altLang="en-US" smtClean="0"/>
+              <a:rPr kumimoji="1" lang="ja-JP" altLang="en-US"/>
               <a:t>レベル</a:t>
             </a:r>
-            <a:endParaRPr kumimoji="1" lang="ja-JP" altLang="en-US"/>
           </a:p>
         </p:txBody>
       </p:sp>
@@ -862,7 +859,7 @@
           <a:p>
             <a:fld id="{1796508F-AE6E-4985-ABCB-6C838F94B0DF}" type="datetimeFigureOut">
               <a:rPr kumimoji="1" lang="ja-JP" altLang="en-US" smtClean="0"/>
-              <a:t>2024/8/2</a:t>
+              <a:t>2024/8/19</a:t>
             </a:fld>
             <a:endParaRPr kumimoji="1" lang="ja-JP" altLang="en-US"/>
           </a:p>
@@ -965,10 +962,9 @@
           </a:lstStyle>
           <a:p>
             <a:r>
-              <a:rPr kumimoji="1" lang="ja-JP" altLang="en-US" smtClean="0"/>
+              <a:rPr kumimoji="1" lang="ja-JP" altLang="en-US"/>
               <a:t>マスター タイトルの書式設定</a:t>
             </a:r>
-            <a:endParaRPr kumimoji="1" lang="ja-JP" altLang="en-US"/>
           </a:p>
         </p:txBody>
       </p:sp>
@@ -1085,7 +1081,7 @@
           <a:p>
             <a:pPr lvl="0"/>
             <a:r>
-              <a:rPr kumimoji="1" lang="ja-JP" altLang="en-US" smtClean="0"/>
+              <a:rPr kumimoji="1" lang="ja-JP" altLang="en-US"/>
               <a:t>マスター テキストの書式設定</a:t>
             </a:r>
           </a:p>
@@ -1108,7 +1104,7 @@
           <a:p>
             <a:fld id="{1796508F-AE6E-4985-ABCB-6C838F94B0DF}" type="datetimeFigureOut">
               <a:rPr kumimoji="1" lang="ja-JP" altLang="en-US" smtClean="0"/>
-              <a:t>2024/8/2</a:t>
+              <a:t>2024/8/19</a:t>
             </a:fld>
             <a:endParaRPr kumimoji="1" lang="ja-JP" altLang="en-US"/>
           </a:p>
@@ -1202,10 +1198,9 @@
           <a:lstStyle/>
           <a:p>
             <a:r>
-              <a:rPr kumimoji="1" lang="ja-JP" altLang="en-US" smtClean="0"/>
+              <a:rPr kumimoji="1" lang="ja-JP" altLang="en-US"/>
               <a:t>マスター タイトルの書式設定</a:t>
             </a:r>
-            <a:endParaRPr kumimoji="1" lang="ja-JP" altLang="en-US"/>
           </a:p>
         </p:txBody>
       </p:sp>
@@ -1231,70 +1226,69 @@
           <a:p>
             <a:pPr lvl="0"/>
             <a:r>
-              <a:rPr kumimoji="1" lang="ja-JP" altLang="en-US" smtClean="0"/>
+              <a:rPr kumimoji="1" lang="ja-JP" altLang="en-US"/>
               <a:t>マスター テキストの書式設定</a:t>
             </a:r>
           </a:p>
           <a:p>
             <a:pPr lvl="1"/>
             <a:r>
-              <a:rPr kumimoji="1" lang="ja-JP" altLang="en-US" smtClean="0"/>
+              <a:rPr kumimoji="1" lang="ja-JP" altLang="en-US"/>
               <a:t>第 </a:t>
             </a:r>
             <a:r>
-              <a:rPr kumimoji="1" lang="en-US" altLang="ja-JP" smtClean="0"/>
+              <a:rPr kumimoji="1" lang="en-US" altLang="ja-JP"/>
               <a:t>2 </a:t>
             </a:r>
             <a:r>
-              <a:rPr kumimoji="1" lang="ja-JP" altLang="en-US" smtClean="0"/>
+              <a:rPr kumimoji="1" lang="ja-JP" altLang="en-US"/>
               <a:t>レベル</a:t>
             </a:r>
           </a:p>
           <a:p>
             <a:pPr lvl="2"/>
             <a:r>
-              <a:rPr kumimoji="1" lang="ja-JP" altLang="en-US" smtClean="0"/>
+              <a:rPr kumimoji="1" lang="ja-JP" altLang="en-US"/>
               <a:t>第 </a:t>
             </a:r>
             <a:r>
-              <a:rPr kumimoji="1" lang="en-US" altLang="ja-JP" smtClean="0"/>
+              <a:rPr kumimoji="1" lang="en-US" altLang="ja-JP"/>
               <a:t>3 </a:t>
             </a:r>
             <a:r>
-              <a:rPr kumimoji="1" lang="ja-JP" altLang="en-US" smtClean="0"/>
+              <a:rPr kumimoji="1" lang="ja-JP" altLang="en-US"/>
               <a:t>レベル</a:t>
             </a:r>
           </a:p>
           <a:p>
             <a:pPr lvl="3"/>
             <a:r>
-              <a:rPr kumimoji="1" lang="ja-JP" altLang="en-US" smtClean="0"/>
+              <a:rPr kumimoji="1" lang="ja-JP" altLang="en-US"/>
               <a:t>第 </a:t>
             </a:r>
             <a:r>
-              <a:rPr kumimoji="1" lang="en-US" altLang="ja-JP" smtClean="0"/>
+              <a:rPr kumimoji="1" lang="en-US" altLang="ja-JP"/>
               <a:t>4 </a:t>
             </a:r>
             <a:r>
-              <a:rPr kumimoji="1" lang="ja-JP" altLang="en-US" smtClean="0"/>
+              <a:rPr kumimoji="1" lang="ja-JP" altLang="en-US"/>
               <a:t>レベル</a:t>
             </a:r>
           </a:p>
           <a:p>
             <a:pPr lvl="4"/>
             <a:r>
-              <a:rPr kumimoji="1" lang="ja-JP" altLang="en-US" smtClean="0"/>
+              <a:rPr kumimoji="1" lang="ja-JP" altLang="en-US"/>
               <a:t>第 </a:t>
             </a:r>
             <a:r>
-              <a:rPr kumimoji="1" lang="en-US" altLang="ja-JP" smtClean="0"/>
+              <a:rPr kumimoji="1" lang="en-US" altLang="ja-JP"/>
               <a:t>5 </a:t>
             </a:r>
             <a:r>
-              <a:rPr kumimoji="1" lang="ja-JP" altLang="en-US" smtClean="0"/>
+              <a:rPr kumimoji="1" lang="ja-JP" altLang="en-US"/>
               <a:t>レベル</a:t>
             </a:r>
-            <a:endParaRPr kumimoji="1" lang="ja-JP" altLang="en-US"/>
           </a:p>
         </p:txBody>
       </p:sp>
@@ -1320,70 +1314,69 @@
           <a:p>
             <a:pPr lvl="0"/>
             <a:r>
-              <a:rPr kumimoji="1" lang="ja-JP" altLang="en-US" smtClean="0"/>
+              <a:rPr kumimoji="1" lang="ja-JP" altLang="en-US"/>
               <a:t>マスター テキストの書式設定</a:t>
             </a:r>
           </a:p>
           <a:p>
             <a:pPr lvl="1"/>
             <a:r>
-              <a:rPr kumimoji="1" lang="ja-JP" altLang="en-US" smtClean="0"/>
+              <a:rPr kumimoji="1" lang="ja-JP" altLang="en-US"/>
               <a:t>第 </a:t>
             </a:r>
             <a:r>
-              <a:rPr kumimoji="1" lang="en-US" altLang="ja-JP" smtClean="0"/>
+              <a:rPr kumimoji="1" lang="en-US" altLang="ja-JP"/>
               <a:t>2 </a:t>
             </a:r>
             <a:r>
-              <a:rPr kumimoji="1" lang="ja-JP" altLang="en-US" smtClean="0"/>
+              <a:rPr kumimoji="1" lang="ja-JP" altLang="en-US"/>
               <a:t>レベル</a:t>
             </a:r>
           </a:p>
           <a:p>
             <a:pPr lvl="2"/>
             <a:r>
-              <a:rPr kumimoji="1" lang="ja-JP" altLang="en-US" smtClean="0"/>
+              <a:rPr kumimoji="1" lang="ja-JP" altLang="en-US"/>
               <a:t>第 </a:t>
             </a:r>
             <a:r>
-              <a:rPr kumimoji="1" lang="en-US" altLang="ja-JP" smtClean="0"/>
+              <a:rPr kumimoji="1" lang="en-US" altLang="ja-JP"/>
               <a:t>3 </a:t>
             </a:r>
             <a:r>
-              <a:rPr kumimoji="1" lang="ja-JP" altLang="en-US" smtClean="0"/>
+              <a:rPr kumimoji="1" lang="ja-JP" altLang="en-US"/>
               <a:t>レベル</a:t>
             </a:r>
           </a:p>
           <a:p>
             <a:pPr lvl="3"/>
             <a:r>
-              <a:rPr kumimoji="1" lang="ja-JP" altLang="en-US" smtClean="0"/>
+              <a:rPr kumimoji="1" lang="ja-JP" altLang="en-US"/>
               <a:t>第 </a:t>
             </a:r>
             <a:r>
-              <a:rPr kumimoji="1" lang="en-US" altLang="ja-JP" smtClean="0"/>
+              <a:rPr kumimoji="1" lang="en-US" altLang="ja-JP"/>
               <a:t>4 </a:t>
             </a:r>
             <a:r>
-              <a:rPr kumimoji="1" lang="ja-JP" altLang="en-US" smtClean="0"/>
+              <a:rPr kumimoji="1" lang="ja-JP" altLang="en-US"/>
               <a:t>レベル</a:t>
             </a:r>
           </a:p>
           <a:p>
             <a:pPr lvl="4"/>
             <a:r>
-              <a:rPr kumimoji="1" lang="ja-JP" altLang="en-US" smtClean="0"/>
+              <a:rPr kumimoji="1" lang="ja-JP" altLang="en-US"/>
               <a:t>第 </a:t>
             </a:r>
             <a:r>
-              <a:rPr kumimoji="1" lang="en-US" altLang="ja-JP" smtClean="0"/>
+              <a:rPr kumimoji="1" lang="en-US" altLang="ja-JP"/>
               <a:t>5 </a:t>
             </a:r>
             <a:r>
-              <a:rPr kumimoji="1" lang="ja-JP" altLang="en-US" smtClean="0"/>
+              <a:rPr kumimoji="1" lang="ja-JP" altLang="en-US"/>
               <a:t>レベル</a:t>
             </a:r>
-            <a:endParaRPr kumimoji="1" lang="ja-JP" altLang="en-US"/>
           </a:p>
         </p:txBody>
       </p:sp>
@@ -1404,7 +1397,7 @@
           <a:p>
             <a:fld id="{1796508F-AE6E-4985-ABCB-6C838F94B0DF}" type="datetimeFigureOut">
               <a:rPr kumimoji="1" lang="ja-JP" altLang="en-US" smtClean="0"/>
-              <a:t>2024/8/2</a:t>
+              <a:t>2024/8/19</a:t>
             </a:fld>
             <a:endParaRPr kumimoji="1" lang="ja-JP" altLang="en-US"/>
           </a:p>
@@ -1503,10 +1496,9 @@
           <a:lstStyle/>
           <a:p>
             <a:r>
-              <a:rPr kumimoji="1" lang="ja-JP" altLang="en-US" smtClean="0"/>
+              <a:rPr kumimoji="1" lang="ja-JP" altLang="en-US"/>
               <a:t>マスター タイトルの書式設定</a:t>
             </a:r>
-            <a:endParaRPr kumimoji="1" lang="ja-JP" altLang="en-US"/>
           </a:p>
         </p:txBody>
       </p:sp>
@@ -1569,7 +1561,7 @@
           <a:p>
             <a:pPr lvl="0"/>
             <a:r>
-              <a:rPr kumimoji="1" lang="ja-JP" altLang="en-US" smtClean="0"/>
+              <a:rPr kumimoji="1" lang="ja-JP" altLang="en-US"/>
               <a:t>マスター テキストの書式設定</a:t>
             </a:r>
           </a:p>
@@ -1597,70 +1589,69 @@
           <a:p>
             <a:pPr lvl="0"/>
             <a:r>
-              <a:rPr kumimoji="1" lang="ja-JP" altLang="en-US" smtClean="0"/>
+              <a:rPr kumimoji="1" lang="ja-JP" altLang="en-US"/>
               <a:t>マスター テキストの書式設定</a:t>
             </a:r>
           </a:p>
           <a:p>
             <a:pPr lvl="1"/>
             <a:r>
-              <a:rPr kumimoji="1" lang="ja-JP" altLang="en-US" smtClean="0"/>
+              <a:rPr kumimoji="1" lang="ja-JP" altLang="en-US"/>
               <a:t>第 </a:t>
             </a:r>
             <a:r>
-              <a:rPr kumimoji="1" lang="en-US" altLang="ja-JP" smtClean="0"/>
+              <a:rPr kumimoji="1" lang="en-US" altLang="ja-JP"/>
               <a:t>2 </a:t>
             </a:r>
             <a:r>
-              <a:rPr kumimoji="1" lang="ja-JP" altLang="en-US" smtClean="0"/>
+              <a:rPr kumimoji="1" lang="ja-JP" altLang="en-US"/>
               <a:t>レベル</a:t>
             </a:r>
           </a:p>
           <a:p>
             <a:pPr lvl="2"/>
             <a:r>
-              <a:rPr kumimoji="1" lang="ja-JP" altLang="en-US" smtClean="0"/>
+              <a:rPr kumimoji="1" lang="ja-JP" altLang="en-US"/>
               <a:t>第 </a:t>
             </a:r>
             <a:r>
-              <a:rPr kumimoji="1" lang="en-US" altLang="ja-JP" smtClean="0"/>
+              <a:rPr kumimoji="1" lang="en-US" altLang="ja-JP"/>
               <a:t>3 </a:t>
             </a:r>
             <a:r>
-              <a:rPr kumimoji="1" lang="ja-JP" altLang="en-US" smtClean="0"/>
+              <a:rPr kumimoji="1" lang="ja-JP" altLang="en-US"/>
               <a:t>レベル</a:t>
             </a:r>
           </a:p>
           <a:p>
             <a:pPr lvl="3"/>
             <a:r>
-              <a:rPr kumimoji="1" lang="ja-JP" altLang="en-US" smtClean="0"/>
+              <a:rPr kumimoji="1" lang="ja-JP" altLang="en-US"/>
               <a:t>第 </a:t>
             </a:r>
             <a:r>
-              <a:rPr kumimoji="1" lang="en-US" altLang="ja-JP" smtClean="0"/>
+              <a:rPr kumimoji="1" lang="en-US" altLang="ja-JP"/>
               <a:t>4 </a:t>
             </a:r>
             <a:r>
-              <a:rPr kumimoji="1" lang="ja-JP" altLang="en-US" smtClean="0"/>
+              <a:rPr kumimoji="1" lang="ja-JP" altLang="en-US"/>
               <a:t>レベル</a:t>
             </a:r>
           </a:p>
           <a:p>
             <a:pPr lvl="4"/>
             <a:r>
-              <a:rPr kumimoji="1" lang="ja-JP" altLang="en-US" smtClean="0"/>
+              <a:rPr kumimoji="1" lang="ja-JP" altLang="en-US"/>
               <a:t>第 </a:t>
             </a:r>
             <a:r>
-              <a:rPr kumimoji="1" lang="en-US" altLang="ja-JP" smtClean="0"/>
+              <a:rPr kumimoji="1" lang="en-US" altLang="ja-JP"/>
               <a:t>5 </a:t>
             </a:r>
             <a:r>
-              <a:rPr kumimoji="1" lang="ja-JP" altLang="en-US" smtClean="0"/>
+              <a:rPr kumimoji="1" lang="ja-JP" altLang="en-US"/>
               <a:t>レベル</a:t>
             </a:r>
-            <a:endParaRPr kumimoji="1" lang="ja-JP" altLang="en-US"/>
           </a:p>
         </p:txBody>
       </p:sp>
@@ -1723,7 +1714,7 @@
           <a:p>
             <a:pPr lvl="0"/>
             <a:r>
-              <a:rPr kumimoji="1" lang="ja-JP" altLang="en-US" smtClean="0"/>
+              <a:rPr kumimoji="1" lang="ja-JP" altLang="en-US"/>
               <a:t>マスター テキストの書式設定</a:t>
             </a:r>
           </a:p>
@@ -1751,70 +1742,69 @@
           <a:p>
             <a:pPr lvl="0"/>
             <a:r>
-              <a:rPr kumimoji="1" lang="ja-JP" altLang="en-US" smtClean="0"/>
+              <a:rPr kumimoji="1" lang="ja-JP" altLang="en-US"/>
               <a:t>マスター テキストの書式設定</a:t>
             </a:r>
           </a:p>
           <a:p>
             <a:pPr lvl="1"/>
             <a:r>
-              <a:rPr kumimoji="1" lang="ja-JP" altLang="en-US" smtClean="0"/>
+              <a:rPr kumimoji="1" lang="ja-JP" altLang="en-US"/>
               <a:t>第 </a:t>
             </a:r>
             <a:r>
-              <a:rPr kumimoji="1" lang="en-US" altLang="ja-JP" smtClean="0"/>
+              <a:rPr kumimoji="1" lang="en-US" altLang="ja-JP"/>
               <a:t>2 </a:t>
             </a:r>
             <a:r>
-              <a:rPr kumimoji="1" lang="ja-JP" altLang="en-US" smtClean="0"/>
+              <a:rPr kumimoji="1" lang="ja-JP" altLang="en-US"/>
               <a:t>レベル</a:t>
             </a:r>
           </a:p>
           <a:p>
             <a:pPr lvl="2"/>
             <a:r>
-              <a:rPr kumimoji="1" lang="ja-JP" altLang="en-US" smtClean="0"/>
+              <a:rPr kumimoji="1" lang="ja-JP" altLang="en-US"/>
               <a:t>第 </a:t>
             </a:r>
             <a:r>
-              <a:rPr kumimoji="1" lang="en-US" altLang="ja-JP" smtClean="0"/>
+              <a:rPr kumimoji="1" lang="en-US" altLang="ja-JP"/>
               <a:t>3 </a:t>
             </a:r>
             <a:r>
-              <a:rPr kumimoji="1" lang="ja-JP" altLang="en-US" smtClean="0"/>
+              <a:rPr kumimoji="1" lang="ja-JP" altLang="en-US"/>
               <a:t>レベル</a:t>
             </a:r>
           </a:p>
           <a:p>
             <a:pPr lvl="3"/>
             <a:r>
-              <a:rPr kumimoji="1" lang="ja-JP" altLang="en-US" smtClean="0"/>
+              <a:rPr kumimoji="1" lang="ja-JP" altLang="en-US"/>
               <a:t>第 </a:t>
             </a:r>
             <a:r>
-              <a:rPr kumimoji="1" lang="en-US" altLang="ja-JP" smtClean="0"/>
+              <a:rPr kumimoji="1" lang="en-US" altLang="ja-JP"/>
               <a:t>4 </a:t>
             </a:r>
             <a:r>
-              <a:rPr kumimoji="1" lang="ja-JP" altLang="en-US" smtClean="0"/>
+              <a:rPr kumimoji="1" lang="ja-JP" altLang="en-US"/>
               <a:t>レベル</a:t>
             </a:r>
           </a:p>
           <a:p>
             <a:pPr lvl="4"/>
             <a:r>
-              <a:rPr kumimoji="1" lang="ja-JP" altLang="en-US" smtClean="0"/>
+              <a:rPr kumimoji="1" lang="ja-JP" altLang="en-US"/>
               <a:t>第 </a:t>
             </a:r>
             <a:r>
-              <a:rPr kumimoji="1" lang="en-US" altLang="ja-JP" smtClean="0"/>
+              <a:rPr kumimoji="1" lang="en-US" altLang="ja-JP"/>
               <a:t>5 </a:t>
             </a:r>
             <a:r>
-              <a:rPr kumimoji="1" lang="ja-JP" altLang="en-US" smtClean="0"/>
+              <a:rPr kumimoji="1" lang="ja-JP" altLang="en-US"/>
               <a:t>レベル</a:t>
             </a:r>
-            <a:endParaRPr kumimoji="1" lang="ja-JP" altLang="en-US"/>
           </a:p>
         </p:txBody>
       </p:sp>
@@ -1835,7 +1825,7 @@
           <a:p>
             <a:fld id="{1796508F-AE6E-4985-ABCB-6C838F94B0DF}" type="datetimeFigureOut">
               <a:rPr kumimoji="1" lang="ja-JP" altLang="en-US" smtClean="0"/>
-              <a:t>2024/8/2</a:t>
+              <a:t>2024/8/19</a:t>
             </a:fld>
             <a:endParaRPr kumimoji="1" lang="ja-JP" altLang="en-US"/>
           </a:p>
@@ -1929,10 +1919,9 @@
           <a:lstStyle/>
           <a:p>
             <a:r>
-              <a:rPr kumimoji="1" lang="ja-JP" altLang="en-US" smtClean="0"/>
+              <a:rPr kumimoji="1" lang="ja-JP" altLang="en-US"/>
               <a:t>マスター タイトルの書式設定</a:t>
             </a:r>
-            <a:endParaRPr kumimoji="1" lang="ja-JP" altLang="en-US"/>
           </a:p>
         </p:txBody>
       </p:sp>
@@ -1953,7 +1942,7 @@
           <a:p>
             <a:fld id="{1796508F-AE6E-4985-ABCB-6C838F94B0DF}" type="datetimeFigureOut">
               <a:rPr kumimoji="1" lang="ja-JP" altLang="en-US" smtClean="0"/>
-              <a:t>2024/8/2</a:t>
+              <a:t>2024/8/19</a:t>
             </a:fld>
             <a:endParaRPr kumimoji="1" lang="ja-JP" altLang="en-US"/>
           </a:p>
@@ -2048,7 +2037,7 @@
           <a:p>
             <a:fld id="{1796508F-AE6E-4985-ABCB-6C838F94B0DF}" type="datetimeFigureOut">
               <a:rPr kumimoji="1" lang="ja-JP" altLang="en-US" smtClean="0"/>
-              <a:t>2024/8/2</a:t>
+              <a:t>2024/8/19</a:t>
             </a:fld>
             <a:endParaRPr kumimoji="1" lang="ja-JP" altLang="en-US"/>
           </a:p>
@@ -2151,10 +2140,9 @@
           </a:lstStyle>
           <a:p>
             <a:r>
-              <a:rPr kumimoji="1" lang="ja-JP" altLang="en-US" smtClean="0"/>
+              <a:rPr kumimoji="1" lang="ja-JP" altLang="en-US"/>
               <a:t>マスター タイトルの書式設定</a:t>
             </a:r>
-            <a:endParaRPr kumimoji="1" lang="ja-JP" altLang="en-US"/>
           </a:p>
         </p:txBody>
       </p:sp>
@@ -2208,70 +2196,69 @@
           <a:p>
             <a:pPr lvl="0"/>
             <a:r>
-              <a:rPr kumimoji="1" lang="ja-JP" altLang="en-US" smtClean="0"/>
+              <a:rPr kumimoji="1" lang="ja-JP" altLang="en-US"/>
               <a:t>マスター テキストの書式設定</a:t>
             </a:r>
           </a:p>
           <a:p>
             <a:pPr lvl="1"/>
             <a:r>
-              <a:rPr kumimoji="1" lang="ja-JP" altLang="en-US" smtClean="0"/>
+              <a:rPr kumimoji="1" lang="ja-JP" altLang="en-US"/>
               <a:t>第 </a:t>
             </a:r>
             <a:r>
-              <a:rPr kumimoji="1" lang="en-US" altLang="ja-JP" smtClean="0"/>
+              <a:rPr kumimoji="1" lang="en-US" altLang="ja-JP"/>
               <a:t>2 </a:t>
             </a:r>
             <a:r>
-              <a:rPr kumimoji="1" lang="ja-JP" altLang="en-US" smtClean="0"/>
+              <a:rPr kumimoji="1" lang="ja-JP" altLang="en-US"/>
               <a:t>レベル</a:t>
             </a:r>
           </a:p>
           <a:p>
             <a:pPr lvl="2"/>
             <a:r>
-              <a:rPr kumimoji="1" lang="ja-JP" altLang="en-US" smtClean="0"/>
+              <a:rPr kumimoji="1" lang="ja-JP" altLang="en-US"/>
               <a:t>第 </a:t>
             </a:r>
             <a:r>
-              <a:rPr kumimoji="1" lang="en-US" altLang="ja-JP" smtClean="0"/>
+              <a:rPr kumimoji="1" lang="en-US" altLang="ja-JP"/>
               <a:t>3 </a:t>
             </a:r>
             <a:r>
-              <a:rPr kumimoji="1" lang="ja-JP" altLang="en-US" smtClean="0"/>
+              <a:rPr kumimoji="1" lang="ja-JP" altLang="en-US"/>
               <a:t>レベル</a:t>
             </a:r>
           </a:p>
           <a:p>
             <a:pPr lvl="3"/>
             <a:r>
-              <a:rPr kumimoji="1" lang="ja-JP" altLang="en-US" smtClean="0"/>
+              <a:rPr kumimoji="1" lang="ja-JP" altLang="en-US"/>
               <a:t>第 </a:t>
             </a:r>
             <a:r>
-              <a:rPr kumimoji="1" lang="en-US" altLang="ja-JP" smtClean="0"/>
+              <a:rPr kumimoji="1" lang="en-US" altLang="ja-JP"/>
               <a:t>4 </a:t>
             </a:r>
             <a:r>
-              <a:rPr kumimoji="1" lang="ja-JP" altLang="en-US" smtClean="0"/>
+              <a:rPr kumimoji="1" lang="ja-JP" altLang="en-US"/>
               <a:t>レベル</a:t>
             </a:r>
           </a:p>
           <a:p>
             <a:pPr lvl="4"/>
             <a:r>
-              <a:rPr kumimoji="1" lang="ja-JP" altLang="en-US" smtClean="0"/>
+              <a:rPr kumimoji="1" lang="ja-JP" altLang="en-US"/>
               <a:t>第 </a:t>
             </a:r>
             <a:r>
-              <a:rPr kumimoji="1" lang="en-US" altLang="ja-JP" smtClean="0"/>
+              <a:rPr kumimoji="1" lang="en-US" altLang="ja-JP"/>
               <a:t>5 </a:t>
             </a:r>
             <a:r>
-              <a:rPr kumimoji="1" lang="ja-JP" altLang="en-US" smtClean="0"/>
+              <a:rPr kumimoji="1" lang="ja-JP" altLang="en-US"/>
               <a:t>レベル</a:t>
             </a:r>
-            <a:endParaRPr kumimoji="1" lang="ja-JP" altLang="en-US"/>
           </a:p>
         </p:txBody>
       </p:sp>
@@ -2334,7 +2321,7 @@
           <a:p>
             <a:pPr lvl="0"/>
             <a:r>
-              <a:rPr kumimoji="1" lang="ja-JP" altLang="en-US" smtClean="0"/>
+              <a:rPr kumimoji="1" lang="ja-JP" altLang="en-US"/>
               <a:t>マスター テキストの書式設定</a:t>
             </a:r>
           </a:p>
@@ -2357,7 +2344,7 @@
           <a:p>
             <a:fld id="{1796508F-AE6E-4985-ABCB-6C838F94B0DF}" type="datetimeFigureOut">
               <a:rPr kumimoji="1" lang="ja-JP" altLang="en-US" smtClean="0"/>
-              <a:t>2024/8/2</a:t>
+              <a:t>2024/8/19</a:t>
             </a:fld>
             <a:endParaRPr kumimoji="1" lang="ja-JP" altLang="en-US"/>
           </a:p>
@@ -2460,10 +2447,9 @@
           </a:lstStyle>
           <a:p>
             <a:r>
-              <a:rPr kumimoji="1" lang="ja-JP" altLang="en-US" smtClean="0"/>
+              <a:rPr kumimoji="1" lang="ja-JP" altLang="en-US"/>
               <a:t>マスター タイトルの書式設定</a:t>
             </a:r>
-            <a:endParaRPr kumimoji="1" lang="ja-JP" altLang="en-US"/>
           </a:p>
         </p:txBody>
       </p:sp>
@@ -2587,7 +2573,7 @@
           <a:p>
             <a:pPr lvl="0"/>
             <a:r>
-              <a:rPr kumimoji="1" lang="ja-JP" altLang="en-US" smtClean="0"/>
+              <a:rPr kumimoji="1" lang="ja-JP" altLang="en-US"/>
               <a:t>マスター テキストの書式設定</a:t>
             </a:r>
           </a:p>
@@ -2610,7 +2596,7 @@
           <a:p>
             <a:fld id="{1796508F-AE6E-4985-ABCB-6C838F94B0DF}" type="datetimeFigureOut">
               <a:rPr kumimoji="1" lang="ja-JP" altLang="en-US" smtClean="0"/>
-              <a:t>2024/8/2</a:t>
+              <a:t>2024/8/19</a:t>
             </a:fld>
             <a:endParaRPr kumimoji="1" lang="ja-JP" altLang="en-US"/>
           </a:p>
@@ -2719,10 +2705,9 @@
           <a:lstStyle/>
           <a:p>
             <a:r>
-              <a:rPr kumimoji="1" lang="ja-JP" altLang="en-US" smtClean="0"/>
+              <a:rPr kumimoji="1" lang="ja-JP" altLang="en-US"/>
               <a:t>マスター タイトルの書式設定</a:t>
             </a:r>
-            <a:endParaRPr kumimoji="1" lang="ja-JP" altLang="en-US"/>
           </a:p>
         </p:txBody>
       </p:sp>
@@ -2753,70 +2738,69 @@
           <a:p>
             <a:pPr lvl="0"/>
             <a:r>
-              <a:rPr kumimoji="1" lang="ja-JP" altLang="en-US" smtClean="0"/>
+              <a:rPr kumimoji="1" lang="ja-JP" altLang="en-US"/>
               <a:t>マスター テキストの書式設定</a:t>
             </a:r>
           </a:p>
           <a:p>
             <a:pPr lvl="1"/>
             <a:r>
-              <a:rPr kumimoji="1" lang="ja-JP" altLang="en-US" smtClean="0"/>
+              <a:rPr kumimoji="1" lang="ja-JP" altLang="en-US"/>
               <a:t>第 </a:t>
             </a:r>
             <a:r>
-              <a:rPr kumimoji="1" lang="en-US" altLang="ja-JP" smtClean="0"/>
+              <a:rPr kumimoji="1" lang="en-US" altLang="ja-JP"/>
               <a:t>2 </a:t>
             </a:r>
             <a:r>
-              <a:rPr kumimoji="1" lang="ja-JP" altLang="en-US" smtClean="0"/>
+              <a:rPr kumimoji="1" lang="ja-JP" altLang="en-US"/>
               <a:t>レベル</a:t>
             </a:r>
           </a:p>
           <a:p>
             <a:pPr lvl="2"/>
             <a:r>
-              <a:rPr kumimoji="1" lang="ja-JP" altLang="en-US" smtClean="0"/>
+              <a:rPr kumimoji="1" lang="ja-JP" altLang="en-US"/>
               <a:t>第 </a:t>
             </a:r>
             <a:r>
-              <a:rPr kumimoji="1" lang="en-US" altLang="ja-JP" smtClean="0"/>
+              <a:rPr kumimoji="1" lang="en-US" altLang="ja-JP"/>
               <a:t>3 </a:t>
             </a:r>
             <a:r>
-              <a:rPr kumimoji="1" lang="ja-JP" altLang="en-US" smtClean="0"/>
+              <a:rPr kumimoji="1" lang="ja-JP" altLang="en-US"/>
               <a:t>レベル</a:t>
             </a:r>
           </a:p>
           <a:p>
             <a:pPr lvl="3"/>
             <a:r>
-              <a:rPr kumimoji="1" lang="ja-JP" altLang="en-US" smtClean="0"/>
+              <a:rPr kumimoji="1" lang="ja-JP" altLang="en-US"/>
               <a:t>第 </a:t>
             </a:r>
             <a:r>
-              <a:rPr kumimoji="1" lang="en-US" altLang="ja-JP" smtClean="0"/>
+              <a:rPr kumimoji="1" lang="en-US" altLang="ja-JP"/>
               <a:t>4 </a:t>
             </a:r>
             <a:r>
-              <a:rPr kumimoji="1" lang="ja-JP" altLang="en-US" smtClean="0"/>
+              <a:rPr kumimoji="1" lang="ja-JP" altLang="en-US"/>
               <a:t>レベル</a:t>
             </a:r>
           </a:p>
           <a:p>
             <a:pPr lvl="4"/>
             <a:r>
-              <a:rPr kumimoji="1" lang="ja-JP" altLang="en-US" smtClean="0"/>
+              <a:rPr kumimoji="1" lang="ja-JP" altLang="en-US"/>
               <a:t>第 </a:t>
             </a:r>
             <a:r>
-              <a:rPr kumimoji="1" lang="en-US" altLang="ja-JP" smtClean="0"/>
+              <a:rPr kumimoji="1" lang="en-US" altLang="ja-JP"/>
               <a:t>5 </a:t>
             </a:r>
             <a:r>
-              <a:rPr kumimoji="1" lang="ja-JP" altLang="en-US" smtClean="0"/>
+              <a:rPr kumimoji="1" lang="ja-JP" altLang="en-US"/>
               <a:t>レベル</a:t>
             </a:r>
-            <a:endParaRPr kumimoji="1" lang="ja-JP" altLang="en-US"/>
           </a:p>
         </p:txBody>
       </p:sp>
@@ -2855,7 +2839,7 @@
           <a:p>
             <a:fld id="{1796508F-AE6E-4985-ABCB-6C838F94B0DF}" type="datetimeFigureOut">
               <a:rPr kumimoji="1" lang="ja-JP" altLang="en-US" smtClean="0"/>
-              <a:t>2024/8/2</a:t>
+              <a:t>2024/8/19</a:t>
             </a:fld>
             <a:endParaRPr kumimoji="1" lang="ja-JP" altLang="en-US"/>
           </a:p>
@@ -3284,7 +3268,7 @@
           <a:p>
             <a:pPr algn="l"/>
             <a:r>
-              <a:rPr kumimoji="1" lang="ja-JP" altLang="en-US" sz="4800" b="1" dirty="0" smtClean="0">
+              <a:rPr kumimoji="1" lang="ja-JP" altLang="en-US" sz="4800" b="1" dirty="0">
                 <a:solidFill>
                   <a:schemeClr val="accent1">
                     <a:lumMod val="75000"/>
@@ -3295,8 +3279,8 @@
               </a:rPr>
               <a:t>株式会社</a:t>
             </a:r>
-            <a:r>
-              <a:rPr kumimoji="1" lang="en-US" altLang="ja-JP" sz="4800" b="1" dirty="0" smtClean="0">
+            <a:br>
+              <a:rPr kumimoji="1" lang="en-US" altLang="ja-JP" sz="4800" b="1" dirty="0">
                 <a:solidFill>
                   <a:schemeClr val="accent1">
                     <a:lumMod val="75000"/>
@@ -3305,10 +3289,9 @@
                 <a:latin typeface="游ゴシック Medium" panose="020B0500000000000000" pitchFamily="50" charset="-128"/>
                 <a:ea typeface="游ゴシック Medium" panose="020B0500000000000000" pitchFamily="50" charset="-128"/>
               </a:rPr>
-              <a:t/>
-            </a:r>
-            <a:br>
-              <a:rPr kumimoji="1" lang="en-US" altLang="ja-JP" sz="4800" b="1" dirty="0" smtClean="0">
+            </a:br>
+            <a:r>
+              <a:rPr kumimoji="1" lang="ja-JP" altLang="en-US" sz="4800" b="1" dirty="0">
                 <a:solidFill>
                   <a:schemeClr val="accent1">
                     <a:lumMod val="75000"/>
@@ -3317,28 +3300,8 @@
                 <a:latin typeface="游ゴシック Medium" panose="020B0500000000000000" pitchFamily="50" charset="-128"/>
                 <a:ea typeface="游ゴシック Medium" panose="020B0500000000000000" pitchFamily="50" charset="-128"/>
               </a:rPr>
-            </a:br>
-            <a:r>
-              <a:rPr kumimoji="1" lang="ja-JP" altLang="en-US" sz="4800" b="1" dirty="0" smtClean="0">
-                <a:solidFill>
-                  <a:schemeClr val="accent1">
-                    <a:lumMod val="75000"/>
-                  </a:schemeClr>
-                </a:solidFill>
-                <a:latin typeface="游ゴシック Medium" panose="020B0500000000000000" pitchFamily="50" charset="-128"/>
-                <a:ea typeface="游ゴシック Medium" panose="020B0500000000000000" pitchFamily="50" charset="-128"/>
-              </a:rPr>
               <a:t>サイバースペーステクノロジー</a:t>
             </a:r>
-            <a:endParaRPr kumimoji="1" lang="ja-JP" altLang="en-US" sz="4800" b="1" dirty="0">
-              <a:solidFill>
-                <a:schemeClr val="accent1">
-                  <a:lumMod val="75000"/>
-                </a:schemeClr>
-              </a:solidFill>
-              <a:latin typeface="游ゴシック Medium" panose="020B0500000000000000" pitchFamily="50" charset="-128"/>
-              <a:ea typeface="游ゴシック Medium" panose="020B0500000000000000" pitchFamily="50" charset="-128"/>
-            </a:endParaRPr>
           </a:p>
         </p:txBody>
       </p:sp>
@@ -3365,10 +3328,9 @@
           <a:lstStyle/>
           <a:p>
             <a:r>
-              <a:rPr kumimoji="1" lang="ja-JP" altLang="en-US" dirty="0" smtClean="0"/>
+              <a:rPr kumimoji="1" lang="ja-JP" altLang="en-US" dirty="0"/>
               <a:t>企業実習報告</a:t>
             </a:r>
-            <a:endParaRPr kumimoji="1" lang="ja-JP" altLang="en-US" dirty="0"/>
           </a:p>
         </p:txBody>
       </p:sp>
@@ -3412,13 +3374,6 @@
   <p:clrMapOvr>
     <a:masterClrMapping/>
   </p:clrMapOvr>
-  <p:timing>
-    <p:tnLst>
-      <p:par>
-        <p:cTn id="1" dur="indefinite" restart="never" nodeType="tmRoot"/>
-      </p:par>
-    </p:tnLst>
-  </p:timing>
 </p:sld>
 </file>
 
@@ -3462,18 +3417,14 @@
           <a:lstStyle/>
           <a:p>
             <a:r>
-              <a:rPr lang="ja-JP" altLang="en-US" dirty="0" smtClean="0"/>
+              <a:rPr lang="ja-JP" altLang="en-US" dirty="0"/>
               <a:t>会社</a:t>
             </a:r>
-            <a:r>
-              <a:rPr lang="en-US" altLang="ja-JP" dirty="0" smtClean="0"/>
-              <a:t/>
-            </a:r>
             <a:br>
-              <a:rPr lang="en-US" altLang="ja-JP" dirty="0" smtClean="0"/>
+              <a:rPr lang="en-US" altLang="ja-JP" dirty="0"/>
             </a:br>
             <a:r>
-              <a:rPr lang="ja-JP" altLang="en-US" dirty="0" smtClean="0"/>
+              <a:rPr lang="ja-JP" altLang="en-US" dirty="0"/>
               <a:t>情報</a:t>
             </a:r>
             <a:endParaRPr kumimoji="1" lang="ja-JP" altLang="en-US" dirty="0"/>
@@ -3506,7 +3457,7 @@
               <a:buNone/>
             </a:pPr>
             <a:r>
-              <a:rPr lang="ja-JP" altLang="en-US" sz="3600" dirty="0" smtClean="0">
+              <a:rPr lang="ja-JP" altLang="en-US" sz="3600" dirty="0">
                 <a:solidFill>
                   <a:schemeClr val="accent1">
                     <a:lumMod val="75000"/>
@@ -3517,7 +3468,7 @@
               </a:rPr>
               <a:t>会社名</a:t>
             </a:r>
-            <a:endParaRPr lang="en-US" altLang="ja-JP" sz="3600" dirty="0" smtClean="0">
+            <a:endParaRPr lang="en-US" altLang="ja-JP" sz="3600" dirty="0">
               <a:solidFill>
                 <a:schemeClr val="accent1">
                   <a:lumMod val="75000"/>
@@ -3532,7 +3483,7 @@
               <a:buNone/>
             </a:pPr>
             <a:r>
-              <a:rPr lang="ja-JP" altLang="en-US" sz="3600" dirty="0" smtClean="0">
+              <a:rPr lang="ja-JP" altLang="en-US" sz="3600" dirty="0">
                 <a:solidFill>
                   <a:schemeClr val="accent1">
                     <a:lumMod val="75000"/>
@@ -3543,7 +3494,7 @@
               </a:rPr>
               <a:t>株式会社サイバースペーステクノロジー</a:t>
             </a:r>
-            <a:endParaRPr lang="en-US" altLang="ja-JP" sz="3600" dirty="0" smtClean="0">
+            <a:endParaRPr lang="en-US" altLang="ja-JP" sz="3600" dirty="0">
               <a:solidFill>
                 <a:schemeClr val="accent1">
                   <a:lumMod val="75000"/>
@@ -3558,13 +3509,13 @@
               <a:buNone/>
             </a:pPr>
             <a:r>
-              <a:rPr lang="ja-JP" altLang="en-US" sz="2400" dirty="0" smtClean="0">
+              <a:rPr lang="ja-JP" altLang="en-US" sz="2400" dirty="0">
                 <a:latin typeface="+mj-ea"/>
                 <a:ea typeface="+mj-ea"/>
               </a:rPr>
               <a:t>住所</a:t>
             </a:r>
-            <a:endParaRPr lang="en-US" altLang="ja-JP" sz="2400" dirty="0" smtClean="0">
+            <a:endParaRPr lang="en-US" altLang="ja-JP" sz="2400" dirty="0">
               <a:latin typeface="+mj-ea"/>
               <a:ea typeface="+mj-ea"/>
             </a:endParaRPr>
@@ -3574,39 +3525,25 @@
               <a:buNone/>
             </a:pPr>
             <a:r>
-              <a:rPr lang="ja-JP" altLang="en-US" sz="2400" dirty="0" smtClean="0">
-                <a:latin typeface="+mj-ea"/>
-                <a:ea typeface="+mj-ea"/>
-              </a:rPr>
-              <a:t>東京都</a:t>
-            </a:r>
-            <a:r>
               <a:rPr lang="ja-JP" altLang="en-US" sz="2400" dirty="0">
                 <a:latin typeface="+mj-ea"/>
                 <a:ea typeface="+mj-ea"/>
               </a:rPr>
-              <a:t>台東区台東</a:t>
-            </a:r>
-            <a:r>
-              <a:rPr lang="en-US" altLang="ja-JP" sz="2400" dirty="0" smtClean="0">
+              <a:t>東京都台東区台東</a:t>
+            </a:r>
+            <a:r>
+              <a:rPr lang="en-US" altLang="ja-JP" sz="2400" dirty="0">
                 <a:latin typeface="+mj-ea"/>
                 <a:ea typeface="+mj-ea"/>
               </a:rPr>
               <a:t>2-18-8</a:t>
-            </a:r>
-            <a:r>
-              <a:rPr lang="ja-JP" altLang="en-US" sz="2400" dirty="0" smtClean="0">
-                <a:latin typeface="+mj-ea"/>
-                <a:ea typeface="+mj-ea"/>
-              </a:rPr>
-              <a:t>写</a:t>
             </a:r>
             <a:r>
               <a:rPr lang="ja-JP" altLang="en-US" sz="2400" dirty="0">
                 <a:latin typeface="+mj-ea"/>
                 <a:ea typeface="+mj-ea"/>
               </a:rPr>
-              <a:t>光ビル</a:t>
+              <a:t>写光ビル</a:t>
             </a:r>
             <a:r>
               <a:rPr lang="en-US" altLang="ja-JP" sz="2400" dirty="0">
@@ -3812,7 +3749,7 @@
               <a:buNone/>
             </a:pPr>
             <a:r>
-              <a:rPr lang="en-US" altLang="ja-JP" dirty="0" smtClean="0">
+              <a:rPr lang="en-US" altLang="ja-JP" dirty="0">
                 <a:latin typeface="+mj-ea"/>
                 <a:ea typeface="+mj-ea"/>
               </a:rPr>
@@ -3825,21 +3762,21 @@
               <a:buChar char="l"/>
             </a:pPr>
             <a:r>
-              <a:rPr lang="ja-JP" altLang="en-US" dirty="0" smtClean="0">
+              <a:rPr lang="ja-JP" altLang="en-US" dirty="0">
                 <a:latin typeface="+mj-ea"/>
                 <a:ea typeface="+mj-ea"/>
               </a:rPr>
               <a:t>秋葉原駅中央改札口より</a:t>
             </a:r>
             <a:r>
-              <a:rPr lang="en-US" altLang="ja-JP" dirty="0" smtClean="0">
+              <a:rPr lang="en-US" altLang="ja-JP" dirty="0">
                 <a:latin typeface="+mj-ea"/>
                 <a:ea typeface="+mj-ea"/>
               </a:rPr>
               <a:t>14</a:t>
             </a:r>
             <a:r>
-              <a:rPr lang="ja-JP" altLang="en-US" dirty="0" smtClean="0">
+              <a:rPr lang="ja-JP" altLang="en-US" dirty="0">
                 <a:latin typeface="+mj-ea"/>
                 <a:ea typeface="+mj-ea"/>
               </a:rPr>
@@ -3852,35 +3789,35 @@
               <a:buChar char="l"/>
             </a:pPr>
             <a:r>
-              <a:rPr lang="ja-JP" altLang="en-US" dirty="0" smtClean="0">
+              <a:rPr lang="ja-JP" altLang="en-US" dirty="0">
                 <a:latin typeface="+mj-ea"/>
                 <a:ea typeface="+mj-ea"/>
               </a:rPr>
               <a:t>御徒町駅南口</a:t>
             </a:r>
             <a:r>
-              <a:rPr lang="en-US" altLang="ja-JP" dirty="0" smtClean="0">
+              <a:rPr lang="en-US" altLang="ja-JP" dirty="0">
                 <a:latin typeface="+mj-ea"/>
                 <a:ea typeface="+mj-ea"/>
               </a:rPr>
               <a:t>2</a:t>
             </a:r>
             <a:r>
-              <a:rPr lang="ja-JP" altLang="en-US" dirty="0" smtClean="0">
+              <a:rPr lang="ja-JP" altLang="en-US" dirty="0">
                 <a:latin typeface="+mj-ea"/>
                 <a:ea typeface="+mj-ea"/>
               </a:rPr>
               <a:t>より</a:t>
             </a:r>
             <a:r>
-              <a:rPr lang="en-US" altLang="ja-JP" dirty="0" smtClean="0">
+              <a:rPr lang="en-US" altLang="ja-JP" dirty="0">
                 <a:latin typeface="+mj-ea"/>
                 <a:ea typeface="+mj-ea"/>
               </a:rPr>
               <a:t>11</a:t>
             </a:r>
             <a:r>
-              <a:rPr lang="ja-JP" altLang="en-US" dirty="0" smtClean="0">
+              <a:rPr lang="ja-JP" altLang="en-US" dirty="0">
                 <a:latin typeface="+mj-ea"/>
                 <a:ea typeface="+mj-ea"/>
               </a:rPr>
@@ -3893,21 +3830,21 @@
               <a:buChar char="l"/>
             </a:pPr>
             <a:r>
-              <a:rPr lang="ja-JP" altLang="en-US" dirty="0" smtClean="0">
+              <a:rPr lang="ja-JP" altLang="en-US" dirty="0">
                 <a:latin typeface="+mj-ea"/>
                 <a:ea typeface="+mj-ea"/>
               </a:rPr>
               <a:t>浅草橋駅東口より</a:t>
             </a:r>
             <a:r>
-              <a:rPr lang="en-US" altLang="ja-JP" dirty="0" smtClean="0">
+              <a:rPr lang="en-US" altLang="ja-JP" dirty="0">
                 <a:latin typeface="+mj-ea"/>
                 <a:ea typeface="+mj-ea"/>
               </a:rPr>
               <a:t>13</a:t>
             </a:r>
             <a:r>
-              <a:rPr lang="ja-JP" altLang="en-US" dirty="0" smtClean="0">
+              <a:rPr lang="ja-JP" altLang="en-US" dirty="0">
                 <a:latin typeface="+mj-ea"/>
                 <a:ea typeface="+mj-ea"/>
               </a:rPr>
@@ -3919,7 +3856,7 @@
               <a:buNone/>
             </a:pPr>
             <a:r>
-              <a:rPr lang="ja-JP" altLang="en-US" dirty="0" smtClean="0">
+              <a:rPr lang="ja-JP" altLang="en-US" dirty="0">
                 <a:latin typeface="+mj-ea"/>
                 <a:ea typeface="+mj-ea"/>
               </a:rPr>
@@ -3932,35 +3869,35 @@
               <a:buChar char="l"/>
             </a:pPr>
             <a:r>
-              <a:rPr lang="ja-JP" altLang="en-US" dirty="0" smtClean="0">
+              <a:rPr lang="ja-JP" altLang="en-US" dirty="0">
                 <a:latin typeface="+mj-ea"/>
                 <a:ea typeface="+mj-ea"/>
               </a:rPr>
               <a:t>大江戸線新御徒町駅</a:t>
             </a:r>
             <a:r>
-              <a:rPr lang="en-US" altLang="ja-JP" dirty="0" smtClean="0">
+              <a:rPr lang="en-US" altLang="ja-JP" dirty="0">
                 <a:latin typeface="+mj-ea"/>
                 <a:ea typeface="+mj-ea"/>
               </a:rPr>
               <a:t>A2</a:t>
             </a:r>
             <a:r>
-              <a:rPr lang="ja-JP" altLang="en-US" dirty="0" smtClean="0">
+              <a:rPr lang="ja-JP" altLang="en-US" dirty="0">
                 <a:latin typeface="+mj-ea"/>
                 <a:ea typeface="+mj-ea"/>
               </a:rPr>
               <a:t>出口より</a:t>
             </a:r>
             <a:r>
-              <a:rPr lang="en-US" altLang="ja-JP" dirty="0" smtClean="0">
+              <a:rPr lang="en-US" altLang="ja-JP" dirty="0">
                 <a:latin typeface="+mj-ea"/>
                 <a:ea typeface="+mj-ea"/>
               </a:rPr>
               <a:t>5</a:t>
             </a:r>
             <a:r>
-              <a:rPr lang="ja-JP" altLang="en-US" dirty="0" smtClean="0">
+              <a:rPr lang="ja-JP" altLang="en-US" dirty="0">
                 <a:latin typeface="+mj-ea"/>
                 <a:ea typeface="+mj-ea"/>
               </a:rPr>
@@ -3973,35 +3910,35 @@
               <a:buChar char="l"/>
             </a:pPr>
             <a:r>
-              <a:rPr lang="ja-JP" altLang="en-US" dirty="0" smtClean="0">
+              <a:rPr lang="ja-JP" altLang="en-US" dirty="0">
                 <a:latin typeface="+mj-ea"/>
                 <a:ea typeface="+mj-ea"/>
               </a:rPr>
               <a:t>日比谷線仲御徒町駅出口</a:t>
             </a:r>
             <a:r>
-              <a:rPr lang="en-US" altLang="ja-JP" dirty="0" smtClean="0">
+              <a:rPr lang="en-US" altLang="ja-JP" dirty="0">
                 <a:latin typeface="+mj-ea"/>
                 <a:ea typeface="+mj-ea"/>
               </a:rPr>
               <a:t>1</a:t>
             </a:r>
             <a:r>
-              <a:rPr lang="ja-JP" altLang="en-US" dirty="0" smtClean="0">
+              <a:rPr lang="ja-JP" altLang="en-US" dirty="0">
                 <a:latin typeface="+mj-ea"/>
                 <a:ea typeface="+mj-ea"/>
               </a:rPr>
               <a:t>より</a:t>
             </a:r>
             <a:r>
-              <a:rPr lang="en-US" altLang="ja-JP" dirty="0" smtClean="0">
+              <a:rPr lang="en-US" altLang="ja-JP" dirty="0">
                 <a:latin typeface="+mj-ea"/>
                 <a:ea typeface="+mj-ea"/>
               </a:rPr>
               <a:t>8</a:t>
             </a:r>
             <a:r>
-              <a:rPr lang="ja-JP" altLang="en-US" dirty="0" smtClean="0">
+              <a:rPr lang="ja-JP" altLang="en-US" dirty="0">
                 <a:latin typeface="+mj-ea"/>
                 <a:ea typeface="+mj-ea"/>
               </a:rPr>
@@ -4014,35 +3951,35 @@
               <a:buChar char="l"/>
             </a:pPr>
             <a:r>
-              <a:rPr lang="ja-JP" altLang="en-US" dirty="0" smtClean="0">
+              <a:rPr lang="ja-JP" altLang="en-US" dirty="0">
                 <a:latin typeface="+mj-ea"/>
                 <a:ea typeface="+mj-ea"/>
               </a:rPr>
               <a:t>銀座線末広町駅出口</a:t>
             </a:r>
             <a:r>
-              <a:rPr lang="en-US" altLang="ja-JP" dirty="0" smtClean="0">
+              <a:rPr lang="en-US" altLang="ja-JP" dirty="0">
                 <a:latin typeface="+mj-ea"/>
                 <a:ea typeface="+mj-ea"/>
               </a:rPr>
               <a:t>2</a:t>
             </a:r>
             <a:r>
-              <a:rPr lang="ja-JP" altLang="en-US" dirty="0" smtClean="0">
+              <a:rPr lang="ja-JP" altLang="en-US" dirty="0">
                 <a:latin typeface="+mj-ea"/>
                 <a:ea typeface="+mj-ea"/>
               </a:rPr>
               <a:t>より</a:t>
             </a:r>
             <a:r>
-              <a:rPr lang="en-US" altLang="ja-JP" dirty="0" smtClean="0">
+              <a:rPr lang="en-US" altLang="ja-JP" dirty="0">
                 <a:latin typeface="+mj-ea"/>
                 <a:ea typeface="+mj-ea"/>
               </a:rPr>
               <a:t>11</a:t>
             </a:r>
             <a:r>
-              <a:rPr lang="ja-JP" altLang="en-US" dirty="0" smtClean="0">
+              <a:rPr lang="ja-JP" altLang="en-US" dirty="0">
                 <a:latin typeface="+mj-ea"/>
                 <a:ea typeface="+mj-ea"/>
               </a:rPr>
@@ -4055,35 +3992,35 @@
               <a:buChar char="l"/>
             </a:pPr>
             <a:r>
-              <a:rPr lang="ja-JP" altLang="en-US" dirty="0" smtClean="0">
+              <a:rPr lang="ja-JP" altLang="en-US" dirty="0">
                 <a:latin typeface="+mj-ea"/>
                 <a:ea typeface="+mj-ea"/>
               </a:rPr>
               <a:t>日比谷線秋葉原駅出口</a:t>
             </a:r>
             <a:r>
-              <a:rPr lang="en-US" altLang="ja-JP" dirty="0" smtClean="0">
+              <a:rPr lang="en-US" altLang="ja-JP" dirty="0">
                 <a:latin typeface="+mj-ea"/>
                 <a:ea typeface="+mj-ea"/>
               </a:rPr>
               <a:t>1</a:t>
             </a:r>
             <a:r>
-              <a:rPr lang="ja-JP" altLang="en-US" dirty="0" smtClean="0">
+              <a:rPr lang="ja-JP" altLang="en-US" dirty="0">
                 <a:latin typeface="+mj-ea"/>
                 <a:ea typeface="+mj-ea"/>
               </a:rPr>
               <a:t>より</a:t>
             </a:r>
             <a:r>
-              <a:rPr lang="en-US" altLang="ja-JP" dirty="0" smtClean="0">
+              <a:rPr lang="en-US" altLang="ja-JP" dirty="0">
                 <a:latin typeface="+mj-ea"/>
                 <a:ea typeface="+mj-ea"/>
               </a:rPr>
               <a:t>12</a:t>
             </a:r>
             <a:r>
-              <a:rPr lang="ja-JP" altLang="en-US" dirty="0" smtClean="0">
+              <a:rPr lang="ja-JP" altLang="en-US" dirty="0">
                 <a:latin typeface="+mj-ea"/>
                 <a:ea typeface="+mj-ea"/>
               </a:rPr>
@@ -4096,35 +4033,35 @@
               <a:buChar char="l"/>
             </a:pPr>
             <a:r>
-              <a:rPr lang="ja-JP" altLang="en-US" dirty="0" smtClean="0">
+              <a:rPr lang="ja-JP" altLang="en-US" dirty="0">
                 <a:latin typeface="+mj-ea"/>
                 <a:ea typeface="+mj-ea"/>
               </a:rPr>
               <a:t>大江戸線蔵前駅</a:t>
             </a:r>
             <a:r>
-              <a:rPr lang="en-US" altLang="ja-JP" dirty="0" smtClean="0">
+              <a:rPr lang="en-US" altLang="ja-JP" dirty="0">
                 <a:latin typeface="+mj-ea"/>
                 <a:ea typeface="+mj-ea"/>
               </a:rPr>
               <a:t>A3</a:t>
             </a:r>
             <a:r>
-              <a:rPr lang="ja-JP" altLang="en-US" dirty="0" smtClean="0">
+              <a:rPr lang="ja-JP" altLang="en-US" dirty="0">
                 <a:latin typeface="+mj-ea"/>
                 <a:ea typeface="+mj-ea"/>
               </a:rPr>
               <a:t>出口より</a:t>
             </a:r>
             <a:r>
-              <a:rPr lang="en-US" altLang="ja-JP" dirty="0" smtClean="0">
+              <a:rPr lang="en-US" altLang="ja-JP" dirty="0">
                 <a:latin typeface="+mj-ea"/>
                 <a:ea typeface="+mj-ea"/>
               </a:rPr>
               <a:t>11</a:t>
             </a:r>
             <a:r>
-              <a:rPr lang="ja-JP" altLang="en-US" dirty="0" smtClean="0">
+              <a:rPr lang="ja-JP" altLang="en-US" dirty="0">
                 <a:latin typeface="+mj-ea"/>
                 <a:ea typeface="+mj-ea"/>
               </a:rPr>
@@ -4137,44 +4074,40 @@
               <a:buChar char="l"/>
             </a:pPr>
             <a:r>
-              <a:rPr lang="ja-JP" altLang="en-US" dirty="0" smtClean="0">
+              <a:rPr lang="ja-JP" altLang="en-US" dirty="0">
                 <a:latin typeface="+mj-ea"/>
                 <a:ea typeface="+mj-ea"/>
               </a:rPr>
               <a:t>銀座線稲荷町駅出口</a:t>
             </a:r>
             <a:r>
-              <a:rPr lang="en-US" altLang="ja-JP" dirty="0" smtClean="0">
+              <a:rPr lang="en-US" altLang="ja-JP" dirty="0">
                 <a:latin typeface="+mj-ea"/>
                 <a:ea typeface="+mj-ea"/>
               </a:rPr>
               <a:t>2</a:t>
             </a:r>
             <a:r>
-              <a:rPr lang="ja-JP" altLang="en-US" dirty="0" smtClean="0">
+              <a:rPr lang="ja-JP" altLang="en-US" dirty="0">
                 <a:latin typeface="+mj-ea"/>
                 <a:ea typeface="+mj-ea"/>
               </a:rPr>
               <a:t>より</a:t>
             </a:r>
             <a:r>
-              <a:rPr lang="en-US" altLang="ja-JP" dirty="0" smtClean="0">
+              <a:rPr lang="en-US" altLang="ja-JP" dirty="0">
                 <a:latin typeface="+mj-ea"/>
                 <a:ea typeface="+mj-ea"/>
               </a:rPr>
               <a:t>11</a:t>
             </a:r>
             <a:r>
-              <a:rPr lang="ja-JP" altLang="en-US" dirty="0" smtClean="0">
+              <a:rPr lang="ja-JP" altLang="en-US" dirty="0">
                 <a:latin typeface="+mj-ea"/>
                 <a:ea typeface="+mj-ea"/>
               </a:rPr>
               <a:t>分</a:t>
             </a:r>
-            <a:endParaRPr lang="ja-JP" altLang="en-US" dirty="0">
-              <a:latin typeface="+mj-ea"/>
-              <a:ea typeface="+mj-ea"/>
-            </a:endParaRPr>
           </a:p>
         </p:txBody>
       </p:sp>
@@ -4224,29 +4157,25 @@
           <a:lstStyle/>
           <a:p>
             <a:r>
-              <a:rPr kumimoji="1" lang="ja-JP" altLang="en-US" sz="4000" dirty="0" smtClean="0">
+              <a:rPr kumimoji="1" lang="ja-JP" altLang="en-US" sz="4000" dirty="0">
                 <a:latin typeface="+mj-ea"/>
                 <a:ea typeface="+mj-ea"/>
               </a:rPr>
               <a:t>アク</a:t>
             </a:r>
-            <a:endParaRPr kumimoji="1" lang="en-US" altLang="ja-JP" sz="4000" dirty="0" smtClean="0">
+            <a:endParaRPr kumimoji="1" lang="en-US" altLang="ja-JP" sz="4000" dirty="0">
               <a:latin typeface="+mj-ea"/>
               <a:ea typeface="+mj-ea"/>
             </a:endParaRPr>
           </a:p>
           <a:p>
             <a:r>
-              <a:rPr kumimoji="1" lang="ja-JP" altLang="en-US" sz="4000" dirty="0" smtClean="0">
+              <a:rPr kumimoji="1" lang="ja-JP" altLang="en-US" sz="4000" dirty="0">
                 <a:latin typeface="+mj-ea"/>
                 <a:ea typeface="+mj-ea"/>
               </a:rPr>
               <a:t>セス</a:t>
             </a:r>
-            <a:endParaRPr kumimoji="1" lang="ja-JP" altLang="en-US" sz="4000" dirty="0">
-              <a:latin typeface="+mj-ea"/>
-              <a:ea typeface="+mj-ea"/>
-            </a:endParaRPr>
           </a:p>
         </p:txBody>
       </p:sp>
@@ -4273,7 +4202,7 @@
           <a:lstStyle/>
           <a:p>
             <a:r>
-              <a:rPr lang="zh-TW" altLang="en-US" sz="2400" b="0" i="0" dirty="0" smtClean="0">
+              <a:rPr lang="zh-TW" altLang="en-US" sz="2400" b="0" i="0" dirty="0">
                 <a:solidFill>
                   <a:srgbClr val="1A1A1A"/>
                 </a:solidFill>
@@ -4314,11 +4243,11 @@
               <a:t>(</a:t>
             </a:r>
             <a:r>
-              <a:rPr kumimoji="1" lang="ja-JP" altLang="en-US" sz="1000" dirty="0" smtClean="0"/>
+              <a:rPr kumimoji="1" lang="ja-JP" altLang="en-US" sz="1000" dirty="0"/>
               <a:t>原文ママ</a:t>
             </a:r>
             <a:r>
-              <a:rPr kumimoji="1" lang="en-US" altLang="ja-JP" sz="1000" dirty="0" smtClean="0"/>
+              <a:rPr kumimoji="1" lang="en-US" altLang="ja-JP" sz="1000" dirty="0"/>
               <a:t>)</a:t>
             </a:r>
             <a:endParaRPr kumimoji="1" lang="ja-JP" altLang="en-US" sz="1000" dirty="0"/>
@@ -4335,13 +4264,6 @@
   <p:clrMapOvr>
     <a:masterClrMapping/>
   </p:clrMapOvr>
-  <p:timing>
-    <p:tnLst>
-      <p:par>
-        <p:cTn id="1" dur="indefinite" restart="never" nodeType="tmRoot"/>
-      </p:par>
-    </p:tnLst>
-  </p:timing>
 </p:sld>
 </file>
 
@@ -4383,10 +4305,9 @@
           <a:lstStyle/>
           <a:p>
             <a:r>
-              <a:rPr kumimoji="1" lang="ja-JP" altLang="en-US" dirty="0" smtClean="0"/>
+              <a:rPr kumimoji="1" lang="ja-JP" altLang="en-US" dirty="0"/>
               <a:t>社員紹介</a:t>
             </a:r>
-            <a:endParaRPr kumimoji="1" lang="ja-JP" altLang="en-US" dirty="0"/>
           </a:p>
         </p:txBody>
       </p:sp>
@@ -4414,10 +4335,10 @@
               <a:buNone/>
             </a:pPr>
             <a:r>
-              <a:rPr kumimoji="1" lang="ja-JP" altLang="en-US" dirty="0" smtClean="0"/>
+              <a:rPr kumimoji="1" lang="ja-JP" altLang="en-US" dirty="0"/>
               <a:t>海老さん</a:t>
             </a:r>
-            <a:endParaRPr kumimoji="1" lang="en-US" altLang="ja-JP" dirty="0" smtClean="0"/>
+            <a:endParaRPr kumimoji="1" lang="en-US" altLang="ja-JP" dirty="0"/>
           </a:p>
           <a:p>
             <a:pPr marL="0" indent="0">
@@ -4430,14 +4351,14 @@
               <a:buNone/>
             </a:pPr>
             <a:r>
-              <a:rPr kumimoji="1" lang="en-US" altLang="ja-JP" dirty="0" smtClean="0"/>
+              <a:rPr kumimoji="1" lang="en-US" altLang="ja-JP" dirty="0"/>
               <a:t>A</a:t>
             </a:r>
             <a:r>
-              <a:rPr kumimoji="1" lang="ja-JP" altLang="en-US" dirty="0" smtClean="0"/>
+              <a:rPr kumimoji="1" lang="ja-JP" altLang="en-US" dirty="0"/>
               <a:t>葉さん</a:t>
             </a:r>
-            <a:endParaRPr kumimoji="1" lang="en-US" altLang="ja-JP" dirty="0" smtClean="0"/>
+            <a:endParaRPr kumimoji="1" lang="en-US" altLang="ja-JP" dirty="0"/>
           </a:p>
           <a:p>
             <a:pPr marL="0" indent="0">
@@ -4450,10 +4371,10 @@
               <a:buNone/>
             </a:pPr>
             <a:r>
-              <a:rPr kumimoji="1" lang="ja-JP" altLang="en-US" dirty="0" smtClean="0"/>
+              <a:rPr kumimoji="1" lang="ja-JP" altLang="en-US" dirty="0"/>
               <a:t>ありがと茄子さん</a:t>
             </a:r>
-            <a:endParaRPr kumimoji="1" lang="en-US" altLang="ja-JP" dirty="0" smtClean="0"/>
+            <a:endParaRPr kumimoji="1" lang="en-US" altLang="ja-JP" dirty="0"/>
           </a:p>
           <a:p>
             <a:pPr marL="0" indent="0">
@@ -4466,10 +4387,9 @@
               <a:buNone/>
             </a:pPr>
             <a:r>
-              <a:rPr kumimoji="1" lang="ja-JP" altLang="en-US" dirty="0" smtClean="0"/>
+              <a:rPr kumimoji="1" lang="ja-JP" altLang="en-US" dirty="0"/>
               <a:t>社長</a:t>
             </a:r>
-            <a:endParaRPr kumimoji="1" lang="ja-JP" altLang="en-US" dirty="0"/>
           </a:p>
         </p:txBody>
       </p:sp>
@@ -4515,17 +4435,17 @@
           </a:lstStyle>
           <a:p>
             <a:r>
-              <a:rPr lang="ja-JP" altLang="en-US" dirty="0" smtClean="0"/>
+              <a:rPr lang="ja-JP" altLang="en-US" dirty="0"/>
               <a:t>仮名</a:t>
             </a:r>
-            <a:endParaRPr lang="en-US" altLang="ja-JP" dirty="0" smtClean="0"/>
-          </a:p>
-          <a:p>
-            <a:r>
-              <a:rPr lang="ja-JP" altLang="en-US" dirty="0" err="1" smtClean="0"/>
+            <a:endParaRPr lang="en-US" altLang="ja-JP" dirty="0"/>
+          </a:p>
+          <a:p>
+            <a:r>
+              <a:rPr lang="ja-JP" altLang="en-US" dirty="0" err="1"/>
               <a:t>です</a:t>
             </a:r>
-            <a:endParaRPr lang="en-US" altLang="ja-JP" dirty="0" smtClean="0"/>
+            <a:endParaRPr lang="en-US" altLang="ja-JP" dirty="0"/>
           </a:p>
         </p:txBody>
       </p:sp>
@@ -4571,10 +4491,9 @@
           </a:lstStyle>
           <a:p>
             <a:r>
-              <a:rPr lang="ja-JP" altLang="en-US" dirty="0" smtClean="0"/>
+              <a:rPr lang="ja-JP" altLang="en-US" dirty="0"/>
               <a:t>個性豊か</a:t>
             </a:r>
-            <a:endParaRPr lang="ja-JP" altLang="en-US" dirty="0"/>
           </a:p>
         </p:txBody>
       </p:sp>
@@ -4678,13 +4597,6 @@
   <p:clrMapOvr>
     <a:masterClrMapping/>
   </p:clrMapOvr>
-  <p:timing>
-    <p:tnLst>
-      <p:par>
-        <p:cTn id="1" dur="indefinite" restart="never" nodeType="tmRoot"/>
-      </p:par>
-    </p:tnLst>
-  </p:timing>
 </p:sld>
 </file>
 
@@ -4726,14 +4638,9 @@
           <a:lstStyle/>
           <a:p>
             <a:r>
-              <a:rPr kumimoji="1" lang="ja-JP" altLang="en-US" dirty="0" smtClean="0"/>
-              <a:t>実習からの</a:t>
-            </a:r>
-            <a:r>
-              <a:rPr kumimoji="1" lang="ja-JP" altLang="en-US" dirty="0" smtClean="0"/>
-              <a:t>感想</a:t>
-            </a:r>
-            <a:endParaRPr kumimoji="1" lang="ja-JP" altLang="en-US" dirty="0"/>
+              <a:rPr kumimoji="1" lang="ja-JP" altLang="en-US" dirty="0"/>
+              <a:t>実習からの感想</a:t>
+            </a:r>
           </a:p>
         </p:txBody>
       </p:sp>
@@ -4775,10 +4682,9 @@
               <a:buNone/>
             </a:pPr>
             <a:r>
-              <a:rPr kumimoji="1" lang="ja-JP" altLang="en-US" dirty="0" smtClean="0"/>
+              <a:rPr kumimoji="1" lang="ja-JP" altLang="en-US" dirty="0"/>
               <a:t>くまがい</a:t>
             </a:r>
-            <a:endParaRPr kumimoji="1" lang="ja-JP" altLang="en-US" dirty="0"/>
           </a:p>
         </p:txBody>
       </p:sp>
@@ -4986,10 +4892,9 @@
               <a:buNone/>
             </a:pPr>
             <a:r>
-              <a:rPr lang="ja-JP" altLang="en-US" dirty="0" smtClean="0"/>
+              <a:rPr lang="ja-JP" altLang="en-US" dirty="0"/>
               <a:t>こぐれ</a:t>
             </a:r>
-            <a:endParaRPr lang="ja-JP" altLang="en-US" dirty="0"/>
           </a:p>
         </p:txBody>
       </p:sp>
@@ -5063,13 +4968,456 @@
   <p:clrMapOvr>
     <a:masterClrMapping/>
   </p:clrMapOvr>
-  <p:timing>
-    <p:tnLst>
-      <p:par>
-        <p:cTn id="1" dur="indefinite" restart="never" nodeType="tmRoot"/>
-      </p:par>
-    </p:tnLst>
-  </p:timing>
+</p:sld>
+</file>
+
+<file path=ppt/slides/slide5.xml><?xml version="1.0" encoding="utf-8"?>
+<p:sld xmlns:a="http://schemas.openxmlformats.org/drawingml/2006/main" xmlns:r="http://schemas.openxmlformats.org/officeDocument/2006/relationships" xmlns:p="http://schemas.openxmlformats.org/presentationml/2006/main">
+  <p:cSld>
+    <p:spTree>
+      <p:nvGrpSpPr>
+        <p:cNvPr id="1" name=""/>
+        <p:cNvGrpSpPr/>
+        <p:nvPr/>
+      </p:nvGrpSpPr>
+      <p:grpSpPr>
+        <a:xfrm>
+          <a:off x="0" y="0"/>
+          <a:ext cx="0" cy="0"/>
+          <a:chOff x="0" y="0"/>
+          <a:chExt cx="0" cy="0"/>
+        </a:xfrm>
+      </p:grpSpPr>
+      <p:sp>
+        <p:nvSpPr>
+          <p:cNvPr id="2" name="タイトル 1"/>
+          <p:cNvSpPr>
+            <a:spLocks noGrp="1"/>
+          </p:cNvSpPr>
+          <p:nvPr>
+            <p:ph type="ctrTitle"/>
+          </p:nvPr>
+        </p:nvSpPr>
+        <p:spPr>
+          <a:xfrm>
+            <a:off x="1761930" y="839495"/>
+            <a:ext cx="8730343" cy="1531873"/>
+          </a:xfrm>
+        </p:spPr>
+        <p:txBody>
+          <a:bodyPr>
+            <a:normAutofit/>
+          </a:bodyPr>
+          <a:lstStyle/>
+          <a:p>
+            <a:pPr algn="l"/>
+            <a:r>
+              <a:rPr kumimoji="1" lang="ja-JP" altLang="en-US" sz="4800" b="1" dirty="0">
+                <a:solidFill>
+                  <a:schemeClr val="accent1">
+                    <a:lumMod val="75000"/>
+                  </a:schemeClr>
+                </a:solidFill>
+                <a:latin typeface="游ゴシック Medium" panose="020B0500000000000000" pitchFamily="50" charset="-128"/>
+                <a:ea typeface="游ゴシック Medium" panose="020B0500000000000000" pitchFamily="50" charset="-128"/>
+              </a:rPr>
+              <a:t>株式会社</a:t>
+            </a:r>
+            <a:br>
+              <a:rPr kumimoji="1" lang="en-US" altLang="ja-JP" sz="4800" b="1" dirty="0">
+                <a:solidFill>
+                  <a:schemeClr val="accent1">
+                    <a:lumMod val="75000"/>
+                  </a:schemeClr>
+                </a:solidFill>
+                <a:latin typeface="游ゴシック Medium" panose="020B0500000000000000" pitchFamily="50" charset="-128"/>
+                <a:ea typeface="游ゴシック Medium" panose="020B0500000000000000" pitchFamily="50" charset="-128"/>
+              </a:rPr>
+            </a:br>
+            <a:r>
+              <a:rPr kumimoji="1" lang="ja-JP" altLang="en-US" sz="4800" b="1" dirty="0">
+                <a:solidFill>
+                  <a:schemeClr val="accent1">
+                    <a:lumMod val="75000"/>
+                  </a:schemeClr>
+                </a:solidFill>
+                <a:latin typeface="游ゴシック Medium" panose="020B0500000000000000" pitchFamily="50" charset="-128"/>
+                <a:ea typeface="游ゴシック Medium" panose="020B0500000000000000" pitchFamily="50" charset="-128"/>
+              </a:rPr>
+              <a:t>サイバースペーステクノロジー</a:t>
+            </a:r>
+          </a:p>
+        </p:txBody>
+      </p:sp>
+      <p:sp>
+        <p:nvSpPr>
+          <p:cNvPr id="3" name="サブタイトル 2"/>
+          <p:cNvSpPr>
+            <a:spLocks noGrp="1"/>
+          </p:cNvSpPr>
+          <p:nvPr>
+            <p:ph type="subTitle" idx="1"/>
+          </p:nvPr>
+        </p:nvSpPr>
+        <p:spPr>
+          <a:xfrm>
+            <a:off x="5069631" y="2567507"/>
+            <a:ext cx="2114939" cy="400795"/>
+          </a:xfrm>
+        </p:spPr>
+        <p:txBody>
+          <a:bodyPr>
+            <a:normAutofit lnSpcReduction="10000"/>
+          </a:bodyPr>
+          <a:lstStyle/>
+          <a:p>
+            <a:r>
+              <a:rPr kumimoji="1" lang="ja-JP" altLang="en-US" dirty="0"/>
+              <a:t>企業実習報告</a:t>
+            </a:r>
+          </a:p>
+        </p:txBody>
+      </p:sp>
+      <p:pic>
+        <p:nvPicPr>
+          <p:cNvPr id="4" name="図 3"/>
+          <p:cNvPicPr>
+            <a:picLocks noChangeAspect="1"/>
+          </p:cNvPicPr>
+          <p:nvPr/>
+        </p:nvPicPr>
+        <p:blipFill>
+          <a:blip r:embed="rId2">
+            <a:extLst>
+              <a:ext uri="{28A0092B-C50C-407E-A947-70E740481C1C}">
+                <a14:useLocalDpi xmlns:a14="http://schemas.microsoft.com/office/drawing/2010/main" val="0"/>
+              </a:ext>
+            </a:extLst>
+          </a:blip>
+          <a:stretch>
+            <a:fillRect/>
+          </a:stretch>
+        </p:blipFill>
+        <p:spPr>
+          <a:xfrm>
+            <a:off x="615787" y="534572"/>
+            <a:ext cx="609846" cy="609846"/>
+          </a:xfrm>
+          <a:prstGeom prst="rect">
+            <a:avLst/>
+          </a:prstGeom>
+        </p:spPr>
+      </p:pic>
+    </p:spTree>
+    <p:extLst>
+      <p:ext uri="{BB962C8B-B14F-4D97-AF65-F5344CB8AC3E}">
+        <p14:creationId xmlns:p14="http://schemas.microsoft.com/office/powerpoint/2010/main" val="1006930140"/>
+      </p:ext>
+    </p:extLst>
+  </p:cSld>
+  <p:clrMapOvr>
+    <a:masterClrMapping/>
+  </p:clrMapOvr>
+</p:sld>
+</file>
+
+<file path=ppt/slides/slide6.xml><?xml version="1.0" encoding="utf-8"?>
+<p:sld xmlns:a="http://schemas.openxmlformats.org/drawingml/2006/main" xmlns:r="http://schemas.openxmlformats.org/officeDocument/2006/relationships" xmlns:p="http://schemas.openxmlformats.org/presentationml/2006/main">
+  <p:cSld>
+    <p:spTree>
+      <p:nvGrpSpPr>
+        <p:cNvPr id="1" name=""/>
+        <p:cNvGrpSpPr/>
+        <p:nvPr/>
+      </p:nvGrpSpPr>
+      <p:grpSpPr>
+        <a:xfrm>
+          <a:off x="0" y="0"/>
+          <a:ext cx="0" cy="0"/>
+          <a:chOff x="0" y="0"/>
+          <a:chExt cx="0" cy="0"/>
+        </a:xfrm>
+      </p:grpSpPr>
+      <p:pic>
+        <p:nvPicPr>
+          <p:cNvPr id="5" name="図 4">
+            <a:extLst>
+              <a:ext uri="{FF2B5EF4-FFF2-40B4-BE49-F238E27FC236}">
+                <a16:creationId xmlns:a16="http://schemas.microsoft.com/office/drawing/2014/main" id="{4C07DB23-D706-49AD-8A12-95CD82D3E13D}"/>
+              </a:ext>
+            </a:extLst>
+          </p:cNvPr>
+          <p:cNvPicPr>
+            <a:picLocks noChangeAspect="1"/>
+          </p:cNvPicPr>
+          <p:nvPr/>
+        </p:nvPicPr>
+        <p:blipFill>
+          <a:blip r:embed="rId2">
+            <a:extLst>
+              <a:ext uri="{28A0092B-C50C-407E-A947-70E740481C1C}">
+                <a14:useLocalDpi xmlns:a14="http://schemas.microsoft.com/office/drawing/2010/main" val="0"/>
+              </a:ext>
+            </a:extLst>
+          </a:blip>
+          <a:stretch>
+            <a:fillRect/>
+          </a:stretch>
+        </p:blipFill>
+        <p:spPr>
+          <a:xfrm>
+            <a:off x="0" y="0"/>
+            <a:ext cx="12192001" cy="6858000"/>
+          </a:xfrm>
+          <a:prstGeom prst="rect">
+            <a:avLst/>
+          </a:prstGeom>
+        </p:spPr>
+      </p:pic>
+    </p:spTree>
+    <p:extLst>
+      <p:ext uri="{BB962C8B-B14F-4D97-AF65-F5344CB8AC3E}">
+        <p14:creationId xmlns:p14="http://schemas.microsoft.com/office/powerpoint/2010/main" val="1496950922"/>
+      </p:ext>
+    </p:extLst>
+  </p:cSld>
+  <p:clrMapOvr>
+    <a:masterClrMapping/>
+  </p:clrMapOvr>
+</p:sld>
+</file>
+
+<file path=ppt/slides/slide7.xml><?xml version="1.0" encoding="utf-8"?>
+<p:sld xmlns:a="http://schemas.openxmlformats.org/drawingml/2006/main" xmlns:r="http://schemas.openxmlformats.org/officeDocument/2006/relationships" xmlns:p="http://schemas.openxmlformats.org/presentationml/2006/main">
+  <p:cSld>
+    <p:spTree>
+      <p:nvGrpSpPr>
+        <p:cNvPr id="1" name=""/>
+        <p:cNvGrpSpPr/>
+        <p:nvPr/>
+      </p:nvGrpSpPr>
+      <p:grpSpPr>
+        <a:xfrm>
+          <a:off x="0" y="0"/>
+          <a:ext cx="0" cy="0"/>
+          <a:chOff x="0" y="0"/>
+          <a:chExt cx="0" cy="0"/>
+        </a:xfrm>
+      </p:grpSpPr>
+      <p:pic>
+        <p:nvPicPr>
+          <p:cNvPr id="3" name="図 2">
+            <a:extLst>
+              <a:ext uri="{FF2B5EF4-FFF2-40B4-BE49-F238E27FC236}">
+                <a16:creationId xmlns:a16="http://schemas.microsoft.com/office/drawing/2014/main" id="{37B2245D-9C33-4000-A368-56E4388105FB}"/>
+              </a:ext>
+            </a:extLst>
+          </p:cNvPr>
+          <p:cNvPicPr>
+            <a:picLocks noChangeAspect="1"/>
+          </p:cNvPicPr>
+          <p:nvPr/>
+        </p:nvPicPr>
+        <p:blipFill>
+          <a:blip r:embed="rId2">
+            <a:extLst>
+              <a:ext uri="{28A0092B-C50C-407E-A947-70E740481C1C}">
+                <a14:useLocalDpi xmlns:a14="http://schemas.microsoft.com/office/drawing/2010/main" val="0"/>
+              </a:ext>
+            </a:extLst>
+          </a:blip>
+          <a:stretch>
+            <a:fillRect/>
+          </a:stretch>
+        </p:blipFill>
+        <p:spPr>
+          <a:xfrm>
+            <a:off x="1" y="0"/>
+            <a:ext cx="12192000" cy="6858000"/>
+          </a:xfrm>
+          <a:prstGeom prst="rect">
+            <a:avLst/>
+          </a:prstGeom>
+        </p:spPr>
+      </p:pic>
+    </p:spTree>
+    <p:extLst>
+      <p:ext uri="{BB962C8B-B14F-4D97-AF65-F5344CB8AC3E}">
+        <p14:creationId xmlns:p14="http://schemas.microsoft.com/office/powerpoint/2010/main" val="3478349181"/>
+      </p:ext>
+    </p:extLst>
+  </p:cSld>
+  <p:clrMapOvr>
+    <a:masterClrMapping/>
+  </p:clrMapOvr>
+</p:sld>
+</file>
+
+<file path=ppt/slides/slide8.xml><?xml version="1.0" encoding="utf-8"?>
+<p:sld xmlns:a="http://schemas.openxmlformats.org/drawingml/2006/main" xmlns:r="http://schemas.openxmlformats.org/officeDocument/2006/relationships" xmlns:p="http://schemas.openxmlformats.org/presentationml/2006/main">
+  <p:cSld>
+    <p:spTree>
+      <p:nvGrpSpPr>
+        <p:cNvPr id="1" name=""/>
+        <p:cNvGrpSpPr/>
+        <p:nvPr/>
+      </p:nvGrpSpPr>
+      <p:grpSpPr>
+        <a:xfrm>
+          <a:off x="0" y="0"/>
+          <a:ext cx="0" cy="0"/>
+          <a:chOff x="0" y="0"/>
+          <a:chExt cx="0" cy="0"/>
+        </a:xfrm>
+      </p:grpSpPr>
+      <p:pic>
+        <p:nvPicPr>
+          <p:cNvPr id="3" name="図 2">
+            <a:extLst>
+              <a:ext uri="{FF2B5EF4-FFF2-40B4-BE49-F238E27FC236}">
+                <a16:creationId xmlns:a16="http://schemas.microsoft.com/office/drawing/2014/main" id="{68C87EE7-754F-4438-A527-6946FB2E4A2D}"/>
+              </a:ext>
+            </a:extLst>
+          </p:cNvPr>
+          <p:cNvPicPr>
+            <a:picLocks noChangeAspect="1"/>
+          </p:cNvPicPr>
+          <p:nvPr/>
+        </p:nvPicPr>
+        <p:blipFill>
+          <a:blip r:embed="rId2">
+            <a:extLst>
+              <a:ext uri="{28A0092B-C50C-407E-A947-70E740481C1C}">
+                <a14:useLocalDpi xmlns:a14="http://schemas.microsoft.com/office/drawing/2010/main" val="0"/>
+              </a:ext>
+            </a:extLst>
+          </a:blip>
+          <a:stretch>
+            <a:fillRect/>
+          </a:stretch>
+        </p:blipFill>
+        <p:spPr>
+          <a:xfrm>
+            <a:off x="1218777" y="685562"/>
+            <a:ext cx="9754445" cy="5486875"/>
+          </a:xfrm>
+          <a:prstGeom prst="rect">
+            <a:avLst/>
+          </a:prstGeom>
+        </p:spPr>
+      </p:pic>
+      <p:pic>
+        <p:nvPicPr>
+          <p:cNvPr id="5" name="図 4">
+            <a:extLst>
+              <a:ext uri="{FF2B5EF4-FFF2-40B4-BE49-F238E27FC236}">
+                <a16:creationId xmlns:a16="http://schemas.microsoft.com/office/drawing/2014/main" id="{4E22E822-8250-445C-BCF5-C1D84CB28A0E}"/>
+              </a:ext>
+            </a:extLst>
+          </p:cNvPr>
+          <p:cNvPicPr>
+            <a:picLocks noChangeAspect="1"/>
+          </p:cNvPicPr>
+          <p:nvPr/>
+        </p:nvPicPr>
+        <p:blipFill>
+          <a:blip r:embed="rId3">
+            <a:extLst>
+              <a:ext uri="{28A0092B-C50C-407E-A947-70E740481C1C}">
+                <a14:useLocalDpi xmlns:a14="http://schemas.microsoft.com/office/drawing/2010/main" val="0"/>
+              </a:ext>
+            </a:extLst>
+          </a:blip>
+          <a:stretch>
+            <a:fillRect/>
+          </a:stretch>
+        </p:blipFill>
+        <p:spPr>
+          <a:xfrm>
+            <a:off x="0" y="0"/>
+            <a:ext cx="12192001" cy="6858000"/>
+          </a:xfrm>
+          <a:prstGeom prst="rect">
+            <a:avLst/>
+          </a:prstGeom>
+        </p:spPr>
+      </p:pic>
+    </p:spTree>
+    <p:extLst>
+      <p:ext uri="{BB962C8B-B14F-4D97-AF65-F5344CB8AC3E}">
+        <p14:creationId xmlns:p14="http://schemas.microsoft.com/office/powerpoint/2010/main" val="4005959185"/>
+      </p:ext>
+    </p:extLst>
+  </p:cSld>
+  <p:clrMapOvr>
+    <a:masterClrMapping/>
+  </p:clrMapOvr>
+</p:sld>
+</file>
+
+<file path=ppt/slides/slide9.xml><?xml version="1.0" encoding="utf-8"?>
+<p:sld xmlns:a="http://schemas.openxmlformats.org/drawingml/2006/main" xmlns:r="http://schemas.openxmlformats.org/officeDocument/2006/relationships" xmlns:p="http://schemas.openxmlformats.org/presentationml/2006/main">
+  <p:cSld>
+    <p:spTree>
+      <p:nvGrpSpPr>
+        <p:cNvPr id="1" name=""/>
+        <p:cNvGrpSpPr/>
+        <p:nvPr/>
+      </p:nvGrpSpPr>
+      <p:grpSpPr>
+        <a:xfrm>
+          <a:off x="0" y="0"/>
+          <a:ext cx="0" cy="0"/>
+          <a:chOff x="0" y="0"/>
+          <a:chExt cx="0" cy="0"/>
+        </a:xfrm>
+      </p:grpSpPr>
+      <p:pic>
+        <p:nvPicPr>
+          <p:cNvPr id="3" name="図 2">
+            <a:extLst>
+              <a:ext uri="{FF2B5EF4-FFF2-40B4-BE49-F238E27FC236}">
+                <a16:creationId xmlns:a16="http://schemas.microsoft.com/office/drawing/2014/main" id="{88941D90-E1D7-49C5-BAF5-9E9617F9EF12}"/>
+              </a:ext>
+            </a:extLst>
+          </p:cNvPr>
+          <p:cNvPicPr>
+            <a:picLocks noChangeAspect="1"/>
+          </p:cNvPicPr>
+          <p:nvPr/>
+        </p:nvPicPr>
+        <p:blipFill>
+          <a:blip r:embed="rId2">
+            <a:extLst>
+              <a:ext uri="{28A0092B-C50C-407E-A947-70E740481C1C}">
+                <a14:useLocalDpi xmlns:a14="http://schemas.microsoft.com/office/drawing/2010/main" val="0"/>
+              </a:ext>
+            </a:extLst>
+          </a:blip>
+          <a:stretch>
+            <a:fillRect/>
+          </a:stretch>
+        </p:blipFill>
+        <p:spPr>
+          <a:xfrm>
+            <a:off x="0" y="0"/>
+            <a:ext cx="12192001" cy="6858000"/>
+          </a:xfrm>
+          <a:prstGeom prst="rect">
+            <a:avLst/>
+          </a:prstGeom>
+        </p:spPr>
+      </p:pic>
+    </p:spTree>
+    <p:extLst>
+      <p:ext uri="{BB962C8B-B14F-4D97-AF65-F5344CB8AC3E}">
+        <p14:creationId xmlns:p14="http://schemas.microsoft.com/office/powerpoint/2010/main" val="982606296"/>
+      </p:ext>
+    </p:extLst>
+  </p:cSld>
+  <p:clrMapOvr>
+    <a:masterClrMapping/>
+  </p:clrMapOvr>
 </p:sld>
 </file>
 
